--- a/Diagrama de contexto editable.pptx
+++ b/Diagrama de contexto editable.pptx
@@ -6,6 +6,7 @@
   </p:sldMasterIdLst>
   <p:sldIdLst>
     <p:sldId id="256" r:id="rId2"/>
+    <p:sldId id="257" r:id="rId3"/>
   </p:sldIdLst>
   <p:sldSz cx="9144000" cy="5143500" type="screen16x9"/>
   <p:notesSz cx="6858000" cy="9144000"/>
@@ -104,6 +105,22 @@
       </a:defRPr>
     </a:lvl9pPr>
   </p:defaultTextStyle>
+  <p:extLst>
+    <p:ext uri="{EFAFB233-063F-42B5-8137-9DF3F51BA10A}">
+      <p15:sldGuideLst xmlns:p15="http://schemas.microsoft.com/office/powerpoint/2012/main">
+        <p15:guide id="1" orient="horz" pos="1620">
+          <p15:clr>
+            <a:srgbClr val="A4A3A4"/>
+          </p15:clr>
+        </p15:guide>
+        <p15:guide id="2" pos="2880">
+          <p15:clr>
+            <a:srgbClr val="A4A3A4"/>
+          </p15:clr>
+        </p15:guide>
+      </p15:sldGuideLst>
+    </p:ext>
+  </p:extLst>
 </p:presentation>
 </file>
 
@@ -145,10 +162,9 @@
           <a:lstStyle/>
           <a:p>
             <a:r>
-              <a:rPr lang="es-ES" smtClean="0"/>
+              <a:rPr lang="es-ES"/>
               <a:t>Haga clic para modificar el estilo de título del patrón</a:t>
             </a:r>
-            <a:endParaRPr lang="es-ES"/>
           </a:p>
         </p:txBody>
       </p:sp>
@@ -264,10 +280,9 @@
           </a:lstStyle>
           <a:p>
             <a:r>
-              <a:rPr lang="es-ES" smtClean="0"/>
+              <a:rPr lang="es-ES"/>
               <a:t>Haga clic para modificar el estilo de subtítulo del patrón</a:t>
             </a:r>
-            <a:endParaRPr lang="es-ES"/>
           </a:p>
         </p:txBody>
       </p:sp>
@@ -288,7 +303,7 @@
           <a:p>
             <a:fld id="{832C223E-7BF9-4999-B7FD-5D2D57CDBF99}" type="datetimeFigureOut">
               <a:rPr lang="es-ES" smtClean="0"/>
-              <a:t>10/03/2016</a:t>
+              <a:t>22/03/2016</a:t>
             </a:fld>
             <a:endParaRPr lang="es-ES"/>
           </a:p>
@@ -382,10 +397,9 @@
           <a:lstStyle/>
           <a:p>
             <a:r>
-              <a:rPr lang="es-ES" smtClean="0"/>
+              <a:rPr lang="es-ES"/>
               <a:t>Haga clic para modificar el estilo de título del patrón</a:t>
             </a:r>
-            <a:endParaRPr lang="es-ES"/>
           </a:p>
         </p:txBody>
       </p:sp>
@@ -406,38 +420,37 @@
           <a:p>
             <a:pPr lvl="0"/>
             <a:r>
-              <a:rPr lang="es-ES" smtClean="0"/>
+              <a:rPr lang="es-ES"/>
               <a:t>Haga clic para modificar el estilo de texto del patrón</a:t>
             </a:r>
           </a:p>
           <a:p>
             <a:pPr lvl="1"/>
             <a:r>
-              <a:rPr lang="es-ES" smtClean="0"/>
+              <a:rPr lang="es-ES"/>
               <a:t>Segundo nivel</a:t>
             </a:r>
           </a:p>
           <a:p>
             <a:pPr lvl="2"/>
             <a:r>
-              <a:rPr lang="es-ES" smtClean="0"/>
+              <a:rPr lang="es-ES"/>
               <a:t>Tercer nivel</a:t>
             </a:r>
           </a:p>
           <a:p>
             <a:pPr lvl="3"/>
             <a:r>
-              <a:rPr lang="es-ES" smtClean="0"/>
+              <a:rPr lang="es-ES"/>
               <a:t>Cuarto nivel</a:t>
             </a:r>
           </a:p>
           <a:p>
             <a:pPr lvl="4"/>
             <a:r>
-              <a:rPr lang="es-ES" smtClean="0"/>
+              <a:rPr lang="es-ES"/>
               <a:t>Quinto nivel</a:t>
             </a:r>
-            <a:endParaRPr lang="es-ES"/>
           </a:p>
         </p:txBody>
       </p:sp>
@@ -458,7 +471,7 @@
           <a:p>
             <a:fld id="{832C223E-7BF9-4999-B7FD-5D2D57CDBF99}" type="datetimeFigureOut">
               <a:rPr lang="es-ES" smtClean="0"/>
-              <a:t>10/03/2016</a:t>
+              <a:t>22/03/2016</a:t>
             </a:fld>
             <a:endParaRPr lang="es-ES"/>
           </a:p>
@@ -557,10 +570,9 @@
           <a:lstStyle/>
           <a:p>
             <a:r>
-              <a:rPr lang="es-ES" smtClean="0"/>
+              <a:rPr lang="es-ES"/>
               <a:t>Haga clic para modificar el estilo de título del patrón</a:t>
             </a:r>
-            <a:endParaRPr lang="es-ES"/>
           </a:p>
         </p:txBody>
       </p:sp>
@@ -586,38 +598,37 @@
           <a:p>
             <a:pPr lvl="0"/>
             <a:r>
-              <a:rPr lang="es-ES" smtClean="0"/>
+              <a:rPr lang="es-ES"/>
               <a:t>Haga clic para modificar el estilo de texto del patrón</a:t>
             </a:r>
           </a:p>
           <a:p>
             <a:pPr lvl="1"/>
             <a:r>
-              <a:rPr lang="es-ES" smtClean="0"/>
+              <a:rPr lang="es-ES"/>
               <a:t>Segundo nivel</a:t>
             </a:r>
           </a:p>
           <a:p>
             <a:pPr lvl="2"/>
             <a:r>
-              <a:rPr lang="es-ES" smtClean="0"/>
+              <a:rPr lang="es-ES"/>
               <a:t>Tercer nivel</a:t>
             </a:r>
           </a:p>
           <a:p>
             <a:pPr lvl="3"/>
             <a:r>
-              <a:rPr lang="es-ES" smtClean="0"/>
+              <a:rPr lang="es-ES"/>
               <a:t>Cuarto nivel</a:t>
             </a:r>
           </a:p>
           <a:p>
             <a:pPr lvl="4"/>
             <a:r>
-              <a:rPr lang="es-ES" smtClean="0"/>
+              <a:rPr lang="es-ES"/>
               <a:t>Quinto nivel</a:t>
             </a:r>
-            <a:endParaRPr lang="es-ES"/>
           </a:p>
         </p:txBody>
       </p:sp>
@@ -638,7 +649,7 @@
           <a:p>
             <a:fld id="{832C223E-7BF9-4999-B7FD-5D2D57CDBF99}" type="datetimeFigureOut">
               <a:rPr lang="es-ES" smtClean="0"/>
-              <a:t>10/03/2016</a:t>
+              <a:t>22/03/2016</a:t>
             </a:fld>
             <a:endParaRPr lang="es-ES"/>
           </a:p>
@@ -732,10 +743,9 @@
           <a:lstStyle/>
           <a:p>
             <a:r>
-              <a:rPr lang="es-ES" smtClean="0"/>
+              <a:rPr lang="es-ES"/>
               <a:t>Haga clic para modificar el estilo de título del patrón</a:t>
             </a:r>
-            <a:endParaRPr lang="es-ES"/>
           </a:p>
         </p:txBody>
       </p:sp>
@@ -756,38 +766,37 @@
           <a:p>
             <a:pPr lvl="0"/>
             <a:r>
-              <a:rPr lang="es-ES" smtClean="0"/>
+              <a:rPr lang="es-ES"/>
               <a:t>Haga clic para modificar el estilo de texto del patrón</a:t>
             </a:r>
           </a:p>
           <a:p>
             <a:pPr lvl="1"/>
             <a:r>
-              <a:rPr lang="es-ES" smtClean="0"/>
+              <a:rPr lang="es-ES"/>
               <a:t>Segundo nivel</a:t>
             </a:r>
           </a:p>
           <a:p>
             <a:pPr lvl="2"/>
             <a:r>
-              <a:rPr lang="es-ES" smtClean="0"/>
+              <a:rPr lang="es-ES"/>
               <a:t>Tercer nivel</a:t>
             </a:r>
           </a:p>
           <a:p>
             <a:pPr lvl="3"/>
             <a:r>
-              <a:rPr lang="es-ES" smtClean="0"/>
+              <a:rPr lang="es-ES"/>
               <a:t>Cuarto nivel</a:t>
             </a:r>
           </a:p>
           <a:p>
             <a:pPr lvl="4"/>
             <a:r>
-              <a:rPr lang="es-ES" smtClean="0"/>
+              <a:rPr lang="es-ES"/>
               <a:t>Quinto nivel</a:t>
             </a:r>
-            <a:endParaRPr lang="es-ES"/>
           </a:p>
         </p:txBody>
       </p:sp>
@@ -808,7 +817,7 @@
           <a:p>
             <a:fld id="{832C223E-7BF9-4999-B7FD-5D2D57CDBF99}" type="datetimeFigureOut">
               <a:rPr lang="es-ES" smtClean="0"/>
-              <a:t>10/03/2016</a:t>
+              <a:t>22/03/2016</a:t>
             </a:fld>
             <a:endParaRPr lang="es-ES"/>
           </a:p>
@@ -911,10 +920,9 @@
           </a:lstStyle>
           <a:p>
             <a:r>
-              <a:rPr lang="es-ES" smtClean="0"/>
+              <a:rPr lang="es-ES"/>
               <a:t>Haga clic para modificar el estilo de título del patrón</a:t>
             </a:r>
-            <a:endParaRPr lang="es-ES"/>
           </a:p>
         </p:txBody>
       </p:sp>
@@ -1031,7 +1039,7 @@
           <a:p>
             <a:pPr lvl="0"/>
             <a:r>
-              <a:rPr lang="es-ES" smtClean="0"/>
+              <a:rPr lang="es-ES"/>
               <a:t>Haga clic para modificar el estilo de texto del patrón</a:t>
             </a:r>
           </a:p>
@@ -1054,7 +1062,7 @@
           <a:p>
             <a:fld id="{832C223E-7BF9-4999-B7FD-5D2D57CDBF99}" type="datetimeFigureOut">
               <a:rPr lang="es-ES" smtClean="0"/>
-              <a:t>10/03/2016</a:t>
+              <a:t>22/03/2016</a:t>
             </a:fld>
             <a:endParaRPr lang="es-ES"/>
           </a:p>
@@ -1148,10 +1156,9 @@
           <a:lstStyle/>
           <a:p>
             <a:r>
-              <a:rPr lang="es-ES" smtClean="0"/>
+              <a:rPr lang="es-ES"/>
               <a:t>Haga clic para modificar el estilo de título del patrón</a:t>
             </a:r>
-            <a:endParaRPr lang="es-ES"/>
           </a:p>
         </p:txBody>
       </p:sp>
@@ -1205,38 +1212,37 @@
           <a:p>
             <a:pPr lvl="0"/>
             <a:r>
-              <a:rPr lang="es-ES" smtClean="0"/>
+              <a:rPr lang="es-ES"/>
               <a:t>Haga clic para modificar el estilo de texto del patrón</a:t>
             </a:r>
           </a:p>
           <a:p>
             <a:pPr lvl="1"/>
             <a:r>
-              <a:rPr lang="es-ES" smtClean="0"/>
+              <a:rPr lang="es-ES"/>
               <a:t>Segundo nivel</a:t>
             </a:r>
           </a:p>
           <a:p>
             <a:pPr lvl="2"/>
             <a:r>
-              <a:rPr lang="es-ES" smtClean="0"/>
+              <a:rPr lang="es-ES"/>
               <a:t>Tercer nivel</a:t>
             </a:r>
           </a:p>
           <a:p>
             <a:pPr lvl="3"/>
             <a:r>
-              <a:rPr lang="es-ES" smtClean="0"/>
+              <a:rPr lang="es-ES"/>
               <a:t>Cuarto nivel</a:t>
             </a:r>
           </a:p>
           <a:p>
             <a:pPr lvl="4"/>
             <a:r>
-              <a:rPr lang="es-ES" smtClean="0"/>
+              <a:rPr lang="es-ES"/>
               <a:t>Quinto nivel</a:t>
             </a:r>
-            <a:endParaRPr lang="es-ES"/>
           </a:p>
         </p:txBody>
       </p:sp>
@@ -1290,38 +1296,37 @@
           <a:p>
             <a:pPr lvl="0"/>
             <a:r>
-              <a:rPr lang="es-ES" smtClean="0"/>
+              <a:rPr lang="es-ES"/>
               <a:t>Haga clic para modificar el estilo de texto del patrón</a:t>
             </a:r>
           </a:p>
           <a:p>
             <a:pPr lvl="1"/>
             <a:r>
-              <a:rPr lang="es-ES" smtClean="0"/>
+              <a:rPr lang="es-ES"/>
               <a:t>Segundo nivel</a:t>
             </a:r>
           </a:p>
           <a:p>
             <a:pPr lvl="2"/>
             <a:r>
-              <a:rPr lang="es-ES" smtClean="0"/>
+              <a:rPr lang="es-ES"/>
               <a:t>Tercer nivel</a:t>
             </a:r>
           </a:p>
           <a:p>
             <a:pPr lvl="3"/>
             <a:r>
-              <a:rPr lang="es-ES" smtClean="0"/>
+              <a:rPr lang="es-ES"/>
               <a:t>Cuarto nivel</a:t>
             </a:r>
           </a:p>
           <a:p>
             <a:pPr lvl="4"/>
             <a:r>
-              <a:rPr lang="es-ES" smtClean="0"/>
+              <a:rPr lang="es-ES"/>
               <a:t>Quinto nivel</a:t>
             </a:r>
-            <a:endParaRPr lang="es-ES"/>
           </a:p>
         </p:txBody>
       </p:sp>
@@ -1342,7 +1347,7 @@
           <a:p>
             <a:fld id="{832C223E-7BF9-4999-B7FD-5D2D57CDBF99}" type="datetimeFigureOut">
               <a:rPr lang="es-ES" smtClean="0"/>
-              <a:t>10/03/2016</a:t>
+              <a:t>22/03/2016</a:t>
             </a:fld>
             <a:endParaRPr lang="es-ES"/>
           </a:p>
@@ -1440,10 +1445,9 @@
           </a:lstStyle>
           <a:p>
             <a:r>
-              <a:rPr lang="es-ES" smtClean="0"/>
+              <a:rPr lang="es-ES"/>
               <a:t>Haga clic para modificar el estilo de título del patrón</a:t>
             </a:r>
-            <a:endParaRPr lang="es-ES"/>
           </a:p>
         </p:txBody>
       </p:sp>
@@ -1506,7 +1510,7 @@
           <a:p>
             <a:pPr lvl="0"/>
             <a:r>
-              <a:rPr lang="es-ES" smtClean="0"/>
+              <a:rPr lang="es-ES"/>
               <a:t>Haga clic para modificar el estilo de texto del patrón</a:t>
             </a:r>
           </a:p>
@@ -1562,38 +1566,37 @@
           <a:p>
             <a:pPr lvl="0"/>
             <a:r>
-              <a:rPr lang="es-ES" smtClean="0"/>
+              <a:rPr lang="es-ES"/>
               <a:t>Haga clic para modificar el estilo de texto del patrón</a:t>
             </a:r>
           </a:p>
           <a:p>
             <a:pPr lvl="1"/>
             <a:r>
-              <a:rPr lang="es-ES" smtClean="0"/>
+              <a:rPr lang="es-ES"/>
               <a:t>Segundo nivel</a:t>
             </a:r>
           </a:p>
           <a:p>
             <a:pPr lvl="2"/>
             <a:r>
-              <a:rPr lang="es-ES" smtClean="0"/>
+              <a:rPr lang="es-ES"/>
               <a:t>Tercer nivel</a:t>
             </a:r>
           </a:p>
           <a:p>
             <a:pPr lvl="3"/>
             <a:r>
-              <a:rPr lang="es-ES" smtClean="0"/>
+              <a:rPr lang="es-ES"/>
               <a:t>Cuarto nivel</a:t>
             </a:r>
           </a:p>
           <a:p>
             <a:pPr lvl="4"/>
             <a:r>
-              <a:rPr lang="es-ES" smtClean="0"/>
+              <a:rPr lang="es-ES"/>
               <a:t>Quinto nivel</a:t>
             </a:r>
-            <a:endParaRPr lang="es-ES"/>
           </a:p>
         </p:txBody>
       </p:sp>
@@ -1656,7 +1659,7 @@
           <a:p>
             <a:pPr lvl="0"/>
             <a:r>
-              <a:rPr lang="es-ES" smtClean="0"/>
+              <a:rPr lang="es-ES"/>
               <a:t>Haga clic para modificar el estilo de texto del patrón</a:t>
             </a:r>
           </a:p>
@@ -1712,38 +1715,37 @@
           <a:p>
             <a:pPr lvl="0"/>
             <a:r>
-              <a:rPr lang="es-ES" smtClean="0"/>
+              <a:rPr lang="es-ES"/>
               <a:t>Haga clic para modificar el estilo de texto del patrón</a:t>
             </a:r>
           </a:p>
           <a:p>
             <a:pPr lvl="1"/>
             <a:r>
-              <a:rPr lang="es-ES" smtClean="0"/>
+              <a:rPr lang="es-ES"/>
               <a:t>Segundo nivel</a:t>
             </a:r>
           </a:p>
           <a:p>
             <a:pPr lvl="2"/>
             <a:r>
-              <a:rPr lang="es-ES" smtClean="0"/>
+              <a:rPr lang="es-ES"/>
               <a:t>Tercer nivel</a:t>
             </a:r>
           </a:p>
           <a:p>
             <a:pPr lvl="3"/>
             <a:r>
-              <a:rPr lang="es-ES" smtClean="0"/>
+              <a:rPr lang="es-ES"/>
               <a:t>Cuarto nivel</a:t>
             </a:r>
           </a:p>
           <a:p>
             <a:pPr lvl="4"/>
             <a:r>
-              <a:rPr lang="es-ES" smtClean="0"/>
+              <a:rPr lang="es-ES"/>
               <a:t>Quinto nivel</a:t>
             </a:r>
-            <a:endParaRPr lang="es-ES"/>
           </a:p>
         </p:txBody>
       </p:sp>
@@ -1764,7 +1766,7 @@
           <a:p>
             <a:fld id="{832C223E-7BF9-4999-B7FD-5D2D57CDBF99}" type="datetimeFigureOut">
               <a:rPr lang="es-ES" smtClean="0"/>
-              <a:t>10/03/2016</a:t>
+              <a:t>22/03/2016</a:t>
             </a:fld>
             <a:endParaRPr lang="es-ES"/>
           </a:p>
@@ -1858,10 +1860,9 @@
           <a:lstStyle/>
           <a:p>
             <a:r>
-              <a:rPr lang="es-ES" smtClean="0"/>
+              <a:rPr lang="es-ES"/>
               <a:t>Haga clic para modificar el estilo de título del patrón</a:t>
             </a:r>
-            <a:endParaRPr lang="es-ES"/>
           </a:p>
         </p:txBody>
       </p:sp>
@@ -1882,7 +1883,7 @@
           <a:p>
             <a:fld id="{832C223E-7BF9-4999-B7FD-5D2D57CDBF99}" type="datetimeFigureOut">
               <a:rPr lang="es-ES" smtClean="0"/>
-              <a:t>10/03/2016</a:t>
+              <a:t>22/03/2016</a:t>
             </a:fld>
             <a:endParaRPr lang="es-ES"/>
           </a:p>
@@ -1977,7 +1978,7 @@
           <a:p>
             <a:fld id="{832C223E-7BF9-4999-B7FD-5D2D57CDBF99}" type="datetimeFigureOut">
               <a:rPr lang="es-ES" smtClean="0"/>
-              <a:t>10/03/2016</a:t>
+              <a:t>22/03/2016</a:t>
             </a:fld>
             <a:endParaRPr lang="es-ES"/>
           </a:p>
@@ -2080,10 +2081,9 @@
           </a:lstStyle>
           <a:p>
             <a:r>
-              <a:rPr lang="es-ES" smtClean="0"/>
+              <a:rPr lang="es-ES"/>
               <a:t>Haga clic para modificar el estilo de título del patrón</a:t>
             </a:r>
-            <a:endParaRPr lang="es-ES"/>
           </a:p>
         </p:txBody>
       </p:sp>
@@ -2137,38 +2137,37 @@
           <a:p>
             <a:pPr lvl="0"/>
             <a:r>
-              <a:rPr lang="es-ES" smtClean="0"/>
+              <a:rPr lang="es-ES"/>
               <a:t>Haga clic para modificar el estilo de texto del patrón</a:t>
             </a:r>
           </a:p>
           <a:p>
             <a:pPr lvl="1"/>
             <a:r>
-              <a:rPr lang="es-ES" smtClean="0"/>
+              <a:rPr lang="es-ES"/>
               <a:t>Segundo nivel</a:t>
             </a:r>
           </a:p>
           <a:p>
             <a:pPr lvl="2"/>
             <a:r>
-              <a:rPr lang="es-ES" smtClean="0"/>
+              <a:rPr lang="es-ES"/>
               <a:t>Tercer nivel</a:t>
             </a:r>
           </a:p>
           <a:p>
             <a:pPr lvl="3"/>
             <a:r>
-              <a:rPr lang="es-ES" smtClean="0"/>
+              <a:rPr lang="es-ES"/>
               <a:t>Cuarto nivel</a:t>
             </a:r>
           </a:p>
           <a:p>
             <a:pPr lvl="4"/>
             <a:r>
-              <a:rPr lang="es-ES" smtClean="0"/>
+              <a:rPr lang="es-ES"/>
               <a:t>Quinto nivel</a:t>
             </a:r>
-            <a:endParaRPr lang="es-ES"/>
           </a:p>
         </p:txBody>
       </p:sp>
@@ -2231,7 +2230,7 @@
           <a:p>
             <a:pPr lvl="0"/>
             <a:r>
-              <a:rPr lang="es-ES" smtClean="0"/>
+              <a:rPr lang="es-ES"/>
               <a:t>Haga clic para modificar el estilo de texto del patrón</a:t>
             </a:r>
           </a:p>
@@ -2254,7 +2253,7 @@
           <a:p>
             <a:fld id="{832C223E-7BF9-4999-B7FD-5D2D57CDBF99}" type="datetimeFigureOut">
               <a:rPr lang="es-ES" smtClean="0"/>
-              <a:t>10/03/2016</a:t>
+              <a:t>22/03/2016</a:t>
             </a:fld>
             <a:endParaRPr lang="es-ES"/>
           </a:p>
@@ -2357,10 +2356,9 @@
           </a:lstStyle>
           <a:p>
             <a:r>
-              <a:rPr lang="es-ES" smtClean="0"/>
+              <a:rPr lang="es-ES"/>
               <a:t>Haga clic para modificar el estilo de título del patrón</a:t>
             </a:r>
-            <a:endParaRPr lang="es-ES"/>
           </a:p>
         </p:txBody>
       </p:sp>
@@ -2484,7 +2482,7 @@
           <a:p>
             <a:pPr lvl="0"/>
             <a:r>
-              <a:rPr lang="es-ES" smtClean="0"/>
+              <a:rPr lang="es-ES"/>
               <a:t>Haga clic para modificar el estilo de texto del patrón</a:t>
             </a:r>
           </a:p>
@@ -2507,7 +2505,7 @@
           <a:p>
             <a:fld id="{832C223E-7BF9-4999-B7FD-5D2D57CDBF99}" type="datetimeFigureOut">
               <a:rPr lang="es-ES" smtClean="0"/>
-              <a:t>10/03/2016</a:t>
+              <a:t>22/03/2016</a:t>
             </a:fld>
             <a:endParaRPr lang="es-ES"/>
           </a:p>
@@ -2616,10 +2614,9 @@
           <a:lstStyle/>
           <a:p>
             <a:r>
-              <a:rPr lang="es-ES" smtClean="0"/>
+              <a:rPr lang="es-ES"/>
               <a:t>Haga clic para modificar el estilo de título del patrón</a:t>
             </a:r>
-            <a:endParaRPr lang="es-ES"/>
           </a:p>
         </p:txBody>
       </p:sp>
@@ -2650,38 +2647,37 @@
           <a:p>
             <a:pPr lvl="0"/>
             <a:r>
-              <a:rPr lang="es-ES" smtClean="0"/>
+              <a:rPr lang="es-ES"/>
               <a:t>Haga clic para modificar el estilo de texto del patrón</a:t>
             </a:r>
           </a:p>
           <a:p>
             <a:pPr lvl="1"/>
             <a:r>
-              <a:rPr lang="es-ES" smtClean="0"/>
+              <a:rPr lang="es-ES"/>
               <a:t>Segundo nivel</a:t>
             </a:r>
           </a:p>
           <a:p>
             <a:pPr lvl="2"/>
             <a:r>
-              <a:rPr lang="es-ES" smtClean="0"/>
+              <a:rPr lang="es-ES"/>
               <a:t>Tercer nivel</a:t>
             </a:r>
           </a:p>
           <a:p>
             <a:pPr lvl="3"/>
             <a:r>
-              <a:rPr lang="es-ES" smtClean="0"/>
+              <a:rPr lang="es-ES"/>
               <a:t>Cuarto nivel</a:t>
             </a:r>
           </a:p>
           <a:p>
             <a:pPr lvl="4"/>
             <a:r>
-              <a:rPr lang="es-ES" smtClean="0"/>
+              <a:rPr lang="es-ES"/>
               <a:t>Quinto nivel</a:t>
             </a:r>
-            <a:endParaRPr lang="es-ES"/>
           </a:p>
         </p:txBody>
       </p:sp>
@@ -2720,7 +2716,7 @@
           <a:p>
             <a:fld id="{832C223E-7BF9-4999-B7FD-5D2D57CDBF99}" type="datetimeFigureOut">
               <a:rPr lang="es-ES" smtClean="0"/>
-              <a:t>10/03/2016</a:t>
+              <a:t>22/03/2016</a:t>
             </a:fld>
             <a:endParaRPr lang="es-ES"/>
           </a:p>
@@ -3615,7 +3611,7 @@
         <p:spPr bwMode="auto">
           <a:xfrm>
             <a:off x="251520" y="4659982"/>
-            <a:ext cx="2742493" cy="297875"/>
+            <a:ext cx="3140038" cy="297875"/>
           </a:xfrm>
           <a:prstGeom prst="rect">
             <a:avLst/>
@@ -3832,16 +3828,8 @@
               </a:tabLst>
             </a:pPr>
             <a:r>
-              <a:rPr lang="es-GT" altLang="es-ES" sz="1400" b="1" dirty="0" smtClean="0"/>
-              <a:t>Diagrama </a:t>
-            </a:r>
-            <a:r>
               <a:rPr lang="es-GT" altLang="es-ES" sz="1400" b="1" dirty="0"/>
-              <a:t>de Contexto – </a:t>
-            </a:r>
-            <a:r>
-              <a:rPr lang="es-GT" altLang="es-ES" sz="1400" b="1" dirty="0" smtClean="0"/>
-              <a:t>SIGIE</a:t>
+              <a:t>Diagrama de Contexto – SIGIE v2.0</a:t>
             </a:r>
             <a:endParaRPr lang="es-ES" altLang="es-ES" sz="700" dirty="0"/>
           </a:p>
@@ -3951,7 +3939,7 @@
               </a:spcAft>
             </a:pPr>
             <a:r>
-              <a:rPr lang="es-GT" altLang="es-ES" sz="1100" b="1" dirty="0" smtClean="0">
+              <a:rPr lang="es-GT" altLang="es-ES" sz="1100" b="1" dirty="0">
                 <a:latin typeface="Calibri" pitchFamily="34" charset="0"/>
                 <a:ea typeface="Calibri" pitchFamily="34" charset="0"/>
                 <a:cs typeface="Times New Roman" pitchFamily="18" charset="0"/>
@@ -4010,20 +3998,12 @@
               </a:spcAft>
             </a:pPr>
             <a:r>
-              <a:rPr lang="es-GT" altLang="es-ES" sz="1100" b="1" dirty="0" smtClean="0">
-                <a:latin typeface="Calibri" pitchFamily="34" charset="0"/>
-                <a:ea typeface="Calibri" pitchFamily="34" charset="0"/>
-                <a:cs typeface="Times New Roman" pitchFamily="18" charset="0"/>
-              </a:rPr>
-              <a:t>Gestión de </a:t>
-            </a:r>
-            <a:r>
               <a:rPr lang="es-GT" altLang="es-ES" sz="1100" b="1" dirty="0">
                 <a:latin typeface="Calibri" pitchFamily="34" charset="0"/>
                 <a:ea typeface="Calibri" pitchFamily="34" charset="0"/>
                 <a:cs typeface="Times New Roman" pitchFamily="18" charset="0"/>
               </a:rPr>
-              <a:t>inscripción</a:t>
+              <a:t>Gestión de inscripción</a:t>
             </a:r>
             <a:endParaRPr lang="es-GT" altLang="es-ES" dirty="0">
               <a:latin typeface="Arial" pitchFamily="34" charset="0"/>
@@ -4077,20 +4057,12 @@
               </a:spcAft>
             </a:pPr>
             <a:r>
-              <a:rPr lang="es-GT" altLang="es-ES" sz="1100" b="1" dirty="0" smtClean="0">
-                <a:latin typeface="Calibri" pitchFamily="34" charset="0"/>
-                <a:ea typeface="Calibri" pitchFamily="34" charset="0"/>
-                <a:cs typeface="Times New Roman" pitchFamily="18" charset="0"/>
-              </a:rPr>
-              <a:t>Gestión  control </a:t>
-            </a:r>
-            <a:r>
               <a:rPr lang="es-GT" altLang="es-ES" sz="1100" b="1" dirty="0">
                 <a:latin typeface="Calibri" pitchFamily="34" charset="0"/>
                 <a:ea typeface="Calibri" pitchFamily="34" charset="0"/>
                 <a:cs typeface="Times New Roman" pitchFamily="18" charset="0"/>
               </a:rPr>
-              <a:t>de notas</a:t>
+              <a:t>Gestión  control de notas</a:t>
             </a:r>
             <a:endParaRPr lang="es-GT" altLang="es-ES" dirty="0">
               <a:latin typeface="Arial" pitchFamily="34" charset="0"/>
@@ -4144,7 +4116,7 @@
               </a:spcAft>
             </a:pPr>
             <a:r>
-              <a:rPr lang="es-GT" altLang="es-ES" sz="1100" b="1" dirty="0" smtClean="0">
+              <a:rPr lang="es-GT" altLang="es-ES" sz="1100" b="1" dirty="0">
                 <a:latin typeface="Calibri" pitchFamily="34" charset="0"/>
                 <a:ea typeface="Calibri" pitchFamily="34" charset="0"/>
                 <a:cs typeface="Times New Roman" pitchFamily="18" charset="0"/>
@@ -4274,7 +4246,7 @@
               </a:spcAft>
             </a:pPr>
             <a:r>
-              <a:rPr lang="es-GT" altLang="es-ES" sz="900" b="1" dirty="0" smtClean="0">
+              <a:rPr lang="es-GT" altLang="es-ES" sz="900" b="1" dirty="0">
                 <a:latin typeface="Calibri" pitchFamily="34" charset="0"/>
                 <a:ea typeface="Calibri" pitchFamily="34" charset="0"/>
                 <a:cs typeface="Times New Roman" pitchFamily="18" charset="0"/>
@@ -4345,7 +4317,7 @@
               </a:spcAft>
             </a:pPr>
             <a:r>
-              <a:rPr lang="es-GT" altLang="es-ES" sz="900" b="1" dirty="0" smtClean="0">
+              <a:rPr lang="es-GT" altLang="es-ES" sz="900" b="1" dirty="0">
                 <a:latin typeface="Calibri" pitchFamily="34" charset="0"/>
                 <a:ea typeface="Calibri" pitchFamily="34" charset="0"/>
                 <a:cs typeface="Times New Roman" pitchFamily="18" charset="0"/>
@@ -4452,7 +4424,7 @@
               </a:spcAft>
             </a:pPr>
             <a:r>
-              <a:rPr lang="es-GT" altLang="es-ES" sz="900" b="1" dirty="0" smtClean="0">
+              <a:rPr lang="es-GT" altLang="es-ES" sz="900" b="1" dirty="0">
                 <a:latin typeface="Calibri" pitchFamily="34" charset="0"/>
                 <a:ea typeface="Calibri" pitchFamily="34" charset="0"/>
                 <a:cs typeface="Times New Roman" pitchFamily="18" charset="0"/>
@@ -4559,7 +4531,7 @@
               </a:spcAft>
             </a:pPr>
             <a:r>
-              <a:rPr lang="es-GT" altLang="es-ES" sz="900" b="1" dirty="0" smtClean="0">
+              <a:rPr lang="es-GT" altLang="es-ES" sz="900" b="1" dirty="0">
                 <a:latin typeface="Calibri" pitchFamily="34" charset="0"/>
                 <a:ea typeface="Calibri" pitchFamily="34" charset="0"/>
                 <a:cs typeface="Times New Roman" pitchFamily="18" charset="0"/>
@@ -4577,7 +4549,7 @@
               </a:spcAft>
             </a:pPr>
             <a:r>
-              <a:rPr lang="es-GT" altLang="es-ES" sz="900" b="1" dirty="0" smtClean="0">
+              <a:rPr lang="es-GT" altLang="es-ES" sz="900" b="1" dirty="0">
                 <a:latin typeface="Calibri" pitchFamily="34" charset="0"/>
                 <a:ea typeface="Calibri" pitchFamily="34" charset="0"/>
                 <a:cs typeface="Times New Roman" pitchFamily="18" charset="0"/>
@@ -4686,7 +4658,7 @@
               </a:spcAft>
             </a:pPr>
             <a:r>
-              <a:rPr lang="es-GT" altLang="es-ES" sz="900" b="1" dirty="0" smtClean="0">
+              <a:rPr lang="es-GT" altLang="es-ES" sz="900" b="1" dirty="0">
                 <a:latin typeface="Calibri" pitchFamily="34" charset="0"/>
                 <a:ea typeface="Calibri" pitchFamily="34" charset="0"/>
                 <a:cs typeface="Times New Roman" pitchFamily="18" charset="0"/>
@@ -4796,7 +4768,7 @@
               </a:spcAft>
             </a:pPr>
             <a:r>
-              <a:rPr lang="es-GT" altLang="es-ES" sz="900" b="1" dirty="0" smtClean="0">
+              <a:rPr lang="es-GT" altLang="es-ES" sz="900" b="1" dirty="0">
                 <a:latin typeface="Calibri" pitchFamily="34" charset="0"/>
                 <a:ea typeface="Calibri" pitchFamily="34" charset="0"/>
                 <a:cs typeface="Times New Roman" pitchFamily="18" charset="0"/>
@@ -4904,7 +4876,7 @@
               </a:spcAft>
             </a:pPr>
             <a:r>
-              <a:rPr lang="es-GT" altLang="es-ES" sz="900" b="1" dirty="0" smtClean="0">
+              <a:rPr lang="es-GT" altLang="es-ES" sz="900" b="1" dirty="0">
                 <a:latin typeface="Calibri" pitchFamily="34" charset="0"/>
                 <a:ea typeface="Calibri" pitchFamily="34" charset="0"/>
                 <a:cs typeface="Times New Roman" pitchFamily="18" charset="0"/>
@@ -4928,13 +4900,1835 @@
   <p:clrMapOvr>
     <a:masterClrMapping/>
   </p:clrMapOvr>
-  <p:timing>
-    <p:tnLst>
-      <p:par>
-        <p:cTn id="1" dur="indefinite" restart="never" nodeType="tmRoot"/>
-      </p:par>
-    </p:tnLst>
-  </p:timing>
+</p:sld>
+</file>
+
+<file path=ppt/slides/slide2.xml><?xml version="1.0" encoding="utf-8"?>
+<p:sld xmlns:a="http://schemas.openxmlformats.org/drawingml/2006/main" xmlns:r="http://schemas.openxmlformats.org/officeDocument/2006/relationships" xmlns:p="http://schemas.openxmlformats.org/presentationml/2006/main">
+  <p:cSld>
+    <p:spTree>
+      <p:nvGrpSpPr>
+        <p:cNvPr id="1" name=""/>
+        <p:cNvGrpSpPr/>
+        <p:nvPr/>
+      </p:nvGrpSpPr>
+      <p:grpSpPr>
+        <a:xfrm>
+          <a:off x="0" y="0"/>
+          <a:ext cx="0" cy="0"/>
+          <a:chOff x="0" y="0"/>
+          <a:chExt cx="0" cy="0"/>
+        </a:xfrm>
+      </p:grpSpPr>
+      <p:sp>
+        <p:nvSpPr>
+          <p:cNvPr id="4" name="1 Rectángulo"/>
+          <p:cNvSpPr>
+            <a:spLocks noChangeArrowheads="1"/>
+          </p:cNvSpPr>
+          <p:nvPr/>
+        </p:nvSpPr>
+        <p:spPr bwMode="auto">
+          <a:xfrm>
+            <a:off x="1295776" y="689701"/>
+            <a:ext cx="1260000" cy="540000"/>
+          </a:xfrm>
+          <a:prstGeom prst="rect">
+            <a:avLst/>
+          </a:prstGeom>
+          <a:solidFill>
+            <a:srgbClr val="FFFFFF"/>
+          </a:solidFill>
+          <a:ln w="25400">
+            <a:solidFill>
+              <a:srgbClr val="000000"/>
+            </a:solidFill>
+            <a:miter lim="800000"/>
+            <a:headEnd/>
+            <a:tailEnd/>
+          </a:ln>
+        </p:spPr>
+        <p:txBody>
+          <a:bodyPr vert="horz" wrap="square" lIns="81635" tIns="40817" rIns="81635" bIns="40817" numCol="1" anchor="ctr" anchorCtr="0" compatLnSpc="1">
+            <a:prstTxWarp prst="textNoShape">
+              <a:avLst/>
+            </a:prstTxWarp>
+          </a:bodyPr>
+          <a:lstStyle/>
+          <a:p>
+            <a:pPr algn="ctr" fontAlgn="base">
+              <a:spcBef>
+                <a:spcPct val="0"/>
+              </a:spcBef>
+              <a:spcAft>
+                <a:spcPct val="0"/>
+              </a:spcAft>
+            </a:pPr>
+            <a:r>
+              <a:rPr lang="es-GT" altLang="es-ES" sz="1300" b="1">
+                <a:latin typeface="Calibri" pitchFamily="34" charset="0"/>
+                <a:ea typeface="Calibri" pitchFamily="34" charset="0"/>
+                <a:cs typeface="Times New Roman" pitchFamily="18" charset="0"/>
+              </a:rPr>
+              <a:t>Encargado</a:t>
+            </a:r>
+            <a:endParaRPr lang="es-GT" altLang="es-ES">
+              <a:latin typeface="Arial" pitchFamily="34" charset="0"/>
+              <a:cs typeface="Arial" pitchFamily="34" charset="0"/>
+            </a:endParaRPr>
+          </a:p>
+        </p:txBody>
+      </p:sp>
+      <p:sp>
+        <p:nvSpPr>
+          <p:cNvPr id="6" name="4 Rectángulo"/>
+          <p:cNvSpPr>
+            <a:spLocks noChangeArrowheads="1"/>
+          </p:cNvSpPr>
+          <p:nvPr/>
+        </p:nvSpPr>
+        <p:spPr bwMode="auto">
+          <a:xfrm>
+            <a:off x="6516216" y="1819565"/>
+            <a:ext cx="1260000" cy="540000"/>
+          </a:xfrm>
+          <a:prstGeom prst="rect">
+            <a:avLst/>
+          </a:prstGeom>
+          <a:solidFill>
+            <a:srgbClr val="FFFFFF"/>
+          </a:solidFill>
+          <a:ln w="25400">
+            <a:solidFill>
+              <a:srgbClr val="000000"/>
+            </a:solidFill>
+            <a:miter lim="800000"/>
+            <a:headEnd/>
+            <a:tailEnd/>
+          </a:ln>
+        </p:spPr>
+        <p:txBody>
+          <a:bodyPr vert="horz" wrap="square" lIns="81635" tIns="40817" rIns="81635" bIns="40817" numCol="1" anchor="ctr" anchorCtr="0" compatLnSpc="1">
+            <a:prstTxWarp prst="textNoShape">
+              <a:avLst/>
+            </a:prstTxWarp>
+          </a:bodyPr>
+          <a:lstStyle/>
+          <a:p>
+            <a:pPr algn="ctr" fontAlgn="base">
+              <a:spcBef>
+                <a:spcPct val="0"/>
+              </a:spcBef>
+              <a:spcAft>
+                <a:spcPct val="0"/>
+              </a:spcAft>
+            </a:pPr>
+            <a:r>
+              <a:rPr lang="es-GT" altLang="es-ES" sz="1300" b="1">
+                <a:latin typeface="Calibri" pitchFamily="34" charset="0"/>
+                <a:ea typeface="Calibri" pitchFamily="34" charset="0"/>
+                <a:cs typeface="Times New Roman" pitchFamily="18" charset="0"/>
+              </a:rPr>
+              <a:t>Catedrático</a:t>
+            </a:r>
+            <a:endParaRPr lang="es-GT" altLang="es-ES">
+              <a:latin typeface="Arial" pitchFamily="34" charset="0"/>
+              <a:cs typeface="Arial" pitchFamily="34" charset="0"/>
+            </a:endParaRPr>
+          </a:p>
+        </p:txBody>
+      </p:sp>
+      <p:cxnSp>
+        <p:nvCxnSpPr>
+          <p:cNvPr id="9" name="7 Conector recto de flecha"/>
+          <p:cNvCxnSpPr>
+            <a:stCxn id="4" idx="3"/>
+            <a:endCxn id="44" idx="2"/>
+          </p:cNvCxnSpPr>
+          <p:nvPr/>
+        </p:nvCxnSpPr>
+        <p:spPr>
+          <a:xfrm flipV="1">
+            <a:off x="2555776" y="871714"/>
+            <a:ext cx="1479195" cy="87987"/>
+          </a:xfrm>
+          <a:prstGeom prst="straightConnector1">
+            <a:avLst/>
+          </a:prstGeom>
+          <a:ln>
+            <a:tailEnd type="arrow"/>
+          </a:ln>
+        </p:spPr>
+        <p:style>
+          <a:lnRef idx="2">
+            <a:schemeClr val="dk1"/>
+          </a:lnRef>
+          <a:fillRef idx="0">
+            <a:schemeClr val="dk1"/>
+          </a:fillRef>
+          <a:effectRef idx="1">
+            <a:schemeClr val="dk1"/>
+          </a:effectRef>
+          <a:fontRef idx="minor">
+            <a:schemeClr val="tx1"/>
+          </a:fontRef>
+        </p:style>
+      </p:cxnSp>
+      <p:cxnSp>
+        <p:nvCxnSpPr>
+          <p:cNvPr id="10" name="8 Conector recto de flecha"/>
+          <p:cNvCxnSpPr>
+            <a:stCxn id="45" idx="7"/>
+          </p:cNvCxnSpPr>
+          <p:nvPr/>
+        </p:nvCxnSpPr>
+        <p:spPr>
+          <a:xfrm flipV="1">
+            <a:off x="5461849" y="1141713"/>
+            <a:ext cx="1450551" cy="571524"/>
+          </a:xfrm>
+          <a:prstGeom prst="straightConnector1">
+            <a:avLst/>
+          </a:prstGeom>
+          <a:ln>
+            <a:tailEnd type="arrow"/>
+          </a:ln>
+        </p:spPr>
+        <p:style>
+          <a:lnRef idx="2">
+            <a:schemeClr val="dk1"/>
+          </a:lnRef>
+          <a:fillRef idx="0">
+            <a:schemeClr val="dk1"/>
+          </a:fillRef>
+          <a:effectRef idx="1">
+            <a:schemeClr val="dk1"/>
+          </a:effectRef>
+          <a:fontRef idx="minor">
+            <a:schemeClr val="tx1"/>
+          </a:fontRef>
+        </p:style>
+      </p:cxnSp>
+      <p:cxnSp>
+        <p:nvCxnSpPr>
+          <p:cNvPr id="11" name="9 Conector recto de flecha"/>
+          <p:cNvCxnSpPr>
+            <a:stCxn id="4" idx="2"/>
+            <a:endCxn id="45" idx="2"/>
+          </p:cNvCxnSpPr>
+          <p:nvPr/>
+        </p:nvCxnSpPr>
+        <p:spPr>
+          <a:xfrm>
+            <a:off x="1925776" y="1229701"/>
+            <a:ext cx="2218997" cy="859865"/>
+          </a:xfrm>
+          <a:prstGeom prst="straightConnector1">
+            <a:avLst/>
+          </a:prstGeom>
+          <a:ln>
+            <a:tailEnd type="arrow"/>
+          </a:ln>
+        </p:spPr>
+        <p:style>
+          <a:lnRef idx="2">
+            <a:schemeClr val="dk1"/>
+          </a:lnRef>
+          <a:fillRef idx="0">
+            <a:schemeClr val="dk1"/>
+          </a:fillRef>
+          <a:effectRef idx="1">
+            <a:schemeClr val="dk1"/>
+          </a:effectRef>
+          <a:fontRef idx="minor">
+            <a:schemeClr val="tx1"/>
+          </a:fontRef>
+        </p:style>
+      </p:cxnSp>
+      <p:cxnSp>
+        <p:nvCxnSpPr>
+          <p:cNvPr id="12" name="10 Conector recto de flecha"/>
+          <p:cNvCxnSpPr>
+            <a:stCxn id="30" idx="1"/>
+            <a:endCxn id="44" idx="6"/>
+          </p:cNvCxnSpPr>
+          <p:nvPr/>
+        </p:nvCxnSpPr>
+        <p:spPr>
+          <a:xfrm flipH="1" flipV="1">
+            <a:off x="5578021" y="871714"/>
+            <a:ext cx="1406387" cy="61884"/>
+          </a:xfrm>
+          <a:prstGeom prst="straightConnector1">
+            <a:avLst/>
+          </a:prstGeom>
+          <a:ln>
+            <a:tailEnd type="arrow"/>
+          </a:ln>
+        </p:spPr>
+        <p:style>
+          <a:lnRef idx="2">
+            <a:schemeClr val="dk1"/>
+          </a:lnRef>
+          <a:fillRef idx="0">
+            <a:schemeClr val="dk1"/>
+          </a:fillRef>
+          <a:effectRef idx="1">
+            <a:schemeClr val="dk1"/>
+          </a:effectRef>
+          <a:fontRef idx="minor">
+            <a:schemeClr val="tx1"/>
+          </a:fontRef>
+        </p:style>
+      </p:cxnSp>
+      <p:sp>
+        <p:nvSpPr>
+          <p:cNvPr id="15" name="13 Cuadro de texto"/>
+          <p:cNvSpPr txBox="1">
+            <a:spLocks noChangeArrowheads="1"/>
+          </p:cNvSpPr>
+          <p:nvPr/>
+        </p:nvSpPr>
+        <p:spPr bwMode="auto">
+          <a:xfrm>
+            <a:off x="2281030" y="689701"/>
+            <a:ext cx="1930930" cy="304600"/>
+          </a:xfrm>
+          <a:prstGeom prst="rect">
+            <a:avLst/>
+          </a:prstGeom>
+          <a:noFill/>
+          <a:ln>
+            <a:noFill/>
+          </a:ln>
+          <a:extLst>
+            <a:ext uri="{909E8E84-426E-40DD-AFC4-6F175D3DCCD1}">
+              <a14:hiddenFill xmlns:a14="http://schemas.microsoft.com/office/drawing/2010/main">
+                <a:solidFill>
+                  <a:srgbClr val="FFFFFF"/>
+                </a:solidFill>
+              </a14:hiddenFill>
+            </a:ext>
+            <a:ext uri="{91240B29-F687-4F45-9708-019B960494DF}">
+              <a14:hiddenLine xmlns:a14="http://schemas.microsoft.com/office/drawing/2010/main" w="6350">
+                <a:solidFill>
+                  <a:srgbClr val="000000"/>
+                </a:solidFill>
+                <a:miter lim="800000"/>
+                <a:headEnd/>
+                <a:tailEnd/>
+              </a14:hiddenLine>
+            </a:ext>
+          </a:extLst>
+        </p:spPr>
+        <p:txBody>
+          <a:bodyPr vert="horz" wrap="square" lIns="81635" tIns="40817" rIns="81635" bIns="40817" numCol="1" anchor="t" anchorCtr="0" compatLnSpc="1">
+            <a:prstTxWarp prst="textNoShape">
+              <a:avLst/>
+            </a:prstTxWarp>
+          </a:bodyPr>
+          <a:lstStyle/>
+          <a:p>
+            <a:pPr algn="ctr" eaLnBrk="0" fontAlgn="base" hangingPunct="0">
+              <a:spcBef>
+                <a:spcPct val="0"/>
+              </a:spcBef>
+              <a:spcAft>
+                <a:spcPct val="0"/>
+              </a:spcAft>
+            </a:pPr>
+            <a:r>
+              <a:rPr lang="es-GT" altLang="es-ES" sz="900" b="1" dirty="0">
+                <a:latin typeface="Calibri" pitchFamily="34" charset="0"/>
+                <a:ea typeface="Calibri" pitchFamily="34" charset="0"/>
+                <a:cs typeface="Times New Roman" pitchFamily="18" charset="0"/>
+              </a:rPr>
+              <a:t>Entrega Datos Alumnos</a:t>
+            </a:r>
+            <a:endParaRPr lang="es-GT" altLang="es-ES" sz="1400" dirty="0">
+              <a:latin typeface="Arial" pitchFamily="34" charset="0"/>
+              <a:cs typeface="Arial" pitchFamily="34" charset="0"/>
+            </a:endParaRPr>
+          </a:p>
+        </p:txBody>
+      </p:sp>
+      <p:sp>
+        <p:nvSpPr>
+          <p:cNvPr id="16" name="14 Cuadro de texto"/>
+          <p:cNvSpPr txBox="1">
+            <a:spLocks noChangeArrowheads="1"/>
+          </p:cNvSpPr>
+          <p:nvPr/>
+        </p:nvSpPr>
+        <p:spPr bwMode="auto">
+          <a:xfrm rot="1477500">
+            <a:off x="2398414" y="1335270"/>
+            <a:ext cx="1880908" cy="346472"/>
+          </a:xfrm>
+          <a:prstGeom prst="rect">
+            <a:avLst/>
+          </a:prstGeom>
+          <a:noFill/>
+          <a:ln>
+            <a:noFill/>
+          </a:ln>
+          <a:extLst>
+            <a:ext uri="{909E8E84-426E-40DD-AFC4-6F175D3DCCD1}">
+              <a14:hiddenFill xmlns:a14="http://schemas.microsoft.com/office/drawing/2010/main">
+                <a:solidFill>
+                  <a:srgbClr val="FFFFFF"/>
+                </a:solidFill>
+              </a14:hiddenFill>
+            </a:ext>
+            <a:ext uri="{91240B29-F687-4F45-9708-019B960494DF}">
+              <a14:hiddenLine xmlns:a14="http://schemas.microsoft.com/office/drawing/2010/main" w="6350">
+                <a:solidFill>
+                  <a:srgbClr val="000000"/>
+                </a:solidFill>
+                <a:miter lim="800000"/>
+                <a:headEnd/>
+                <a:tailEnd/>
+              </a14:hiddenLine>
+            </a:ext>
+          </a:extLst>
+        </p:spPr>
+        <p:txBody>
+          <a:bodyPr vert="horz" wrap="square" lIns="81635" tIns="40817" rIns="81635" bIns="40817" numCol="1" anchor="t" anchorCtr="0" compatLnSpc="1">
+            <a:prstTxWarp prst="textNoShape">
+              <a:avLst/>
+            </a:prstTxWarp>
+          </a:bodyPr>
+          <a:lstStyle/>
+          <a:p>
+            <a:pPr algn="ctr" eaLnBrk="0" fontAlgn="base" hangingPunct="0">
+              <a:spcBef>
+                <a:spcPct val="0"/>
+              </a:spcBef>
+              <a:spcAft>
+                <a:spcPct val="0"/>
+              </a:spcAft>
+            </a:pPr>
+            <a:r>
+              <a:rPr lang="es-GT" altLang="es-ES" sz="900" b="1" dirty="0">
+                <a:latin typeface="Calibri" pitchFamily="34" charset="0"/>
+                <a:ea typeface="Calibri" pitchFamily="34" charset="0"/>
+                <a:cs typeface="Times New Roman" pitchFamily="18" charset="0"/>
+              </a:rPr>
+              <a:t>Solicitud de Tarjeta de calificaciones</a:t>
+            </a:r>
+            <a:endParaRPr lang="es-GT" altLang="es-ES" sz="1400" dirty="0">
+              <a:latin typeface="Arial" pitchFamily="34" charset="0"/>
+              <a:cs typeface="Arial" pitchFamily="34" charset="0"/>
+            </a:endParaRPr>
+          </a:p>
+        </p:txBody>
+      </p:sp>
+      <p:sp>
+        <p:nvSpPr>
+          <p:cNvPr id="17" name="15 Cuadro de texto"/>
+          <p:cNvSpPr txBox="1">
+            <a:spLocks noChangeArrowheads="1"/>
+          </p:cNvSpPr>
+          <p:nvPr/>
+        </p:nvSpPr>
+        <p:spPr bwMode="auto">
+          <a:xfrm>
+            <a:off x="5419576" y="517402"/>
+            <a:ext cx="1600696" cy="324599"/>
+          </a:xfrm>
+          <a:prstGeom prst="rect">
+            <a:avLst/>
+          </a:prstGeom>
+          <a:noFill/>
+          <a:ln>
+            <a:noFill/>
+          </a:ln>
+          <a:extLst>
+            <a:ext uri="{909E8E84-426E-40DD-AFC4-6F175D3DCCD1}">
+              <a14:hiddenFill xmlns:a14="http://schemas.microsoft.com/office/drawing/2010/main">
+                <a:solidFill>
+                  <a:srgbClr val="FFFFFF"/>
+                </a:solidFill>
+              </a14:hiddenFill>
+            </a:ext>
+            <a:ext uri="{91240B29-F687-4F45-9708-019B960494DF}">
+              <a14:hiddenLine xmlns:a14="http://schemas.microsoft.com/office/drawing/2010/main" w="6350">
+                <a:solidFill>
+                  <a:srgbClr val="000000"/>
+                </a:solidFill>
+                <a:miter lim="800000"/>
+                <a:headEnd/>
+                <a:tailEnd/>
+              </a14:hiddenLine>
+            </a:ext>
+          </a:extLst>
+        </p:spPr>
+        <p:txBody>
+          <a:bodyPr vert="horz" wrap="square" lIns="81635" tIns="40817" rIns="81635" bIns="40817" numCol="1" anchor="t" anchorCtr="0" compatLnSpc="1">
+            <a:prstTxWarp prst="textNoShape">
+              <a:avLst/>
+            </a:prstTxWarp>
+          </a:bodyPr>
+          <a:lstStyle/>
+          <a:p>
+            <a:pPr algn="ctr" eaLnBrk="0" fontAlgn="base" hangingPunct="0">
+              <a:spcBef>
+                <a:spcPct val="0"/>
+              </a:spcBef>
+              <a:spcAft>
+                <a:spcPct val="0"/>
+              </a:spcAft>
+            </a:pPr>
+            <a:r>
+              <a:rPr lang="es-GT" altLang="es-ES" sz="900" b="1" dirty="0">
+                <a:latin typeface="Calibri" pitchFamily="34" charset="0"/>
+                <a:ea typeface="Calibri" pitchFamily="34" charset="0"/>
+                <a:cs typeface="Times New Roman" pitchFamily="18" charset="0"/>
+              </a:rPr>
+              <a:t>Autorización de datos de alumnos</a:t>
+            </a:r>
+            <a:endParaRPr lang="es-GT" altLang="es-ES" sz="1400" dirty="0">
+              <a:latin typeface="Arial" pitchFamily="34" charset="0"/>
+              <a:cs typeface="Arial" pitchFamily="34" charset="0"/>
+            </a:endParaRPr>
+          </a:p>
+        </p:txBody>
+      </p:sp>
+      <p:cxnSp>
+        <p:nvCxnSpPr>
+          <p:cNvPr id="18" name="16 Conector recto de flecha"/>
+          <p:cNvCxnSpPr>
+            <a:stCxn id="30" idx="2"/>
+          </p:cNvCxnSpPr>
+          <p:nvPr/>
+        </p:nvCxnSpPr>
+        <p:spPr>
+          <a:xfrm flipH="1">
+            <a:off x="5650029" y="1203598"/>
+            <a:ext cx="1964379" cy="685069"/>
+          </a:xfrm>
+          <a:prstGeom prst="straightConnector1">
+            <a:avLst/>
+          </a:prstGeom>
+          <a:ln>
+            <a:tailEnd type="arrow"/>
+          </a:ln>
+        </p:spPr>
+        <p:style>
+          <a:lnRef idx="2">
+            <a:schemeClr val="dk1"/>
+          </a:lnRef>
+          <a:fillRef idx="0">
+            <a:schemeClr val="dk1"/>
+          </a:fillRef>
+          <a:effectRef idx="1">
+            <a:schemeClr val="dk1"/>
+          </a:effectRef>
+          <a:fontRef idx="minor">
+            <a:schemeClr val="tx1"/>
+          </a:fontRef>
+        </p:style>
+      </p:cxnSp>
+      <p:sp>
+        <p:nvSpPr>
+          <p:cNvPr id="23" name="Rectangle 25"/>
+          <p:cNvSpPr>
+            <a:spLocks noChangeArrowheads="1"/>
+          </p:cNvSpPr>
+          <p:nvPr/>
+        </p:nvSpPr>
+        <p:spPr bwMode="auto">
+          <a:xfrm>
+            <a:off x="251520" y="4659982"/>
+            <a:ext cx="3140038" cy="297875"/>
+          </a:xfrm>
+          <a:prstGeom prst="rect">
+            <a:avLst/>
+          </a:prstGeom>
+          <a:noFill/>
+          <a:ln>
+            <a:noFill/>
+          </a:ln>
+          <a:effectLst/>
+          <a:extLst>
+            <a:ext uri="{909E8E84-426E-40DD-AFC4-6F175D3DCCD1}">
+              <a14:hiddenFill xmlns:a14="http://schemas.microsoft.com/office/drawing/2010/main">
+                <a:solidFill>
+                  <a:schemeClr val="accent1"/>
+                </a:solidFill>
+              </a14:hiddenFill>
+            </a:ext>
+            <a:ext uri="{91240B29-F687-4F45-9708-019B960494DF}">
+              <a14:hiddenLine xmlns:a14="http://schemas.microsoft.com/office/drawing/2010/main" w="9525">
+                <a:solidFill>
+                  <a:schemeClr val="tx1"/>
+                </a:solidFill>
+                <a:miter lim="800000"/>
+                <a:headEnd/>
+                <a:tailEnd/>
+              </a14:hiddenLine>
+            </a:ext>
+            <a:ext uri="{AF507438-7753-43E0-B8FC-AC1667EBCBE1}">
+              <a14:hiddenEffects xmlns:a14="http://schemas.microsoft.com/office/drawing/2010/main">
+                <a:effectLst>
+                  <a:outerShdw dist="35921" dir="2700000" algn="ctr" rotWithShape="0">
+                    <a:schemeClr val="bg2"/>
+                  </a:outerShdw>
+                </a:effectLst>
+              </a14:hiddenEffects>
+            </a:ext>
+          </a:extLst>
+        </p:spPr>
+        <p:txBody>
+          <a:bodyPr vert="horz" wrap="none" lIns="81635" tIns="40817" rIns="81635" bIns="40817" numCol="1" anchor="ctr" anchorCtr="0" compatLnSpc="1">
+            <a:prstTxWarp prst="textNoShape">
+              <a:avLst/>
+            </a:prstTxWarp>
+            <a:spAutoFit/>
+          </a:bodyPr>
+          <a:lstStyle>
+            <a:lvl1pPr fontAlgn="base">
+              <a:spcBef>
+                <a:spcPct val="0"/>
+              </a:spcBef>
+              <a:spcAft>
+                <a:spcPct val="0"/>
+              </a:spcAft>
+              <a:tabLst>
+                <a:tab pos="1198563" algn="l"/>
+              </a:tabLst>
+              <a:defRPr>
+                <a:solidFill>
+                  <a:schemeClr val="tx1"/>
+                </a:solidFill>
+                <a:latin typeface="Arial" pitchFamily="34" charset="0"/>
+                <a:cs typeface="Arial" pitchFamily="34" charset="0"/>
+              </a:defRPr>
+            </a:lvl1pPr>
+            <a:lvl2pPr fontAlgn="base">
+              <a:spcBef>
+                <a:spcPct val="0"/>
+              </a:spcBef>
+              <a:spcAft>
+                <a:spcPct val="0"/>
+              </a:spcAft>
+              <a:tabLst>
+                <a:tab pos="1198563" algn="l"/>
+              </a:tabLst>
+              <a:defRPr>
+                <a:solidFill>
+                  <a:schemeClr val="tx1"/>
+                </a:solidFill>
+                <a:latin typeface="Arial" pitchFamily="34" charset="0"/>
+                <a:cs typeface="Arial" pitchFamily="34" charset="0"/>
+              </a:defRPr>
+            </a:lvl2pPr>
+            <a:lvl3pPr fontAlgn="base">
+              <a:spcBef>
+                <a:spcPct val="0"/>
+              </a:spcBef>
+              <a:spcAft>
+                <a:spcPct val="0"/>
+              </a:spcAft>
+              <a:tabLst>
+                <a:tab pos="1198563" algn="l"/>
+              </a:tabLst>
+              <a:defRPr>
+                <a:solidFill>
+                  <a:schemeClr val="tx1"/>
+                </a:solidFill>
+                <a:latin typeface="Arial" pitchFamily="34" charset="0"/>
+                <a:cs typeface="Arial" pitchFamily="34" charset="0"/>
+              </a:defRPr>
+            </a:lvl3pPr>
+            <a:lvl4pPr fontAlgn="base">
+              <a:spcBef>
+                <a:spcPct val="0"/>
+              </a:spcBef>
+              <a:spcAft>
+                <a:spcPct val="0"/>
+              </a:spcAft>
+              <a:tabLst>
+                <a:tab pos="1198563" algn="l"/>
+              </a:tabLst>
+              <a:defRPr>
+                <a:solidFill>
+                  <a:schemeClr val="tx1"/>
+                </a:solidFill>
+                <a:latin typeface="Arial" pitchFamily="34" charset="0"/>
+                <a:cs typeface="Arial" pitchFamily="34" charset="0"/>
+              </a:defRPr>
+            </a:lvl4pPr>
+            <a:lvl5pPr fontAlgn="base">
+              <a:spcBef>
+                <a:spcPct val="0"/>
+              </a:spcBef>
+              <a:spcAft>
+                <a:spcPct val="0"/>
+              </a:spcAft>
+              <a:tabLst>
+                <a:tab pos="1198563" algn="l"/>
+              </a:tabLst>
+              <a:defRPr>
+                <a:solidFill>
+                  <a:schemeClr val="tx1"/>
+                </a:solidFill>
+                <a:latin typeface="Arial" pitchFamily="34" charset="0"/>
+                <a:cs typeface="Arial" pitchFamily="34" charset="0"/>
+              </a:defRPr>
+            </a:lvl5pPr>
+            <a:lvl6pPr fontAlgn="base">
+              <a:spcBef>
+                <a:spcPct val="0"/>
+              </a:spcBef>
+              <a:spcAft>
+                <a:spcPct val="0"/>
+              </a:spcAft>
+              <a:tabLst>
+                <a:tab pos="1198563" algn="l"/>
+              </a:tabLst>
+              <a:defRPr>
+                <a:solidFill>
+                  <a:schemeClr val="tx1"/>
+                </a:solidFill>
+                <a:latin typeface="Arial" pitchFamily="34" charset="0"/>
+                <a:cs typeface="Arial" pitchFamily="34" charset="0"/>
+              </a:defRPr>
+            </a:lvl6pPr>
+            <a:lvl7pPr fontAlgn="base">
+              <a:spcBef>
+                <a:spcPct val="0"/>
+              </a:spcBef>
+              <a:spcAft>
+                <a:spcPct val="0"/>
+              </a:spcAft>
+              <a:tabLst>
+                <a:tab pos="1198563" algn="l"/>
+              </a:tabLst>
+              <a:defRPr>
+                <a:solidFill>
+                  <a:schemeClr val="tx1"/>
+                </a:solidFill>
+                <a:latin typeface="Arial" pitchFamily="34" charset="0"/>
+                <a:cs typeface="Arial" pitchFamily="34" charset="0"/>
+              </a:defRPr>
+            </a:lvl7pPr>
+            <a:lvl8pPr fontAlgn="base">
+              <a:spcBef>
+                <a:spcPct val="0"/>
+              </a:spcBef>
+              <a:spcAft>
+                <a:spcPct val="0"/>
+              </a:spcAft>
+              <a:tabLst>
+                <a:tab pos="1198563" algn="l"/>
+              </a:tabLst>
+              <a:defRPr>
+                <a:solidFill>
+                  <a:schemeClr val="tx1"/>
+                </a:solidFill>
+                <a:latin typeface="Arial" pitchFamily="34" charset="0"/>
+                <a:cs typeface="Arial" pitchFamily="34" charset="0"/>
+              </a:defRPr>
+            </a:lvl8pPr>
+            <a:lvl9pPr fontAlgn="base">
+              <a:spcBef>
+                <a:spcPct val="0"/>
+              </a:spcBef>
+              <a:spcAft>
+                <a:spcPct val="0"/>
+              </a:spcAft>
+              <a:tabLst>
+                <a:tab pos="1198563" algn="l"/>
+              </a:tabLst>
+              <a:defRPr>
+                <a:solidFill>
+                  <a:schemeClr val="tx1"/>
+                </a:solidFill>
+                <a:latin typeface="Arial" pitchFamily="34" charset="0"/>
+                <a:cs typeface="Arial" pitchFamily="34" charset="0"/>
+              </a:defRPr>
+            </a:lvl9pPr>
+          </a:lstStyle>
+          <a:p>
+            <a:pPr eaLnBrk="0" hangingPunct="0">
+              <a:tabLst>
+                <a:tab pos="1070044" algn="l"/>
+              </a:tabLst>
+            </a:pPr>
+            <a:r>
+              <a:rPr lang="es-GT" altLang="es-ES" sz="1400" b="1" dirty="0"/>
+              <a:t>Diagrama de Contexto – SIGIE v3.0</a:t>
+            </a:r>
+            <a:endParaRPr lang="es-ES" altLang="es-ES" sz="700" dirty="0"/>
+          </a:p>
+        </p:txBody>
+      </p:sp>
+      <p:sp>
+        <p:nvSpPr>
+          <p:cNvPr id="30" name="1 Rectángulo"/>
+          <p:cNvSpPr>
+            <a:spLocks noChangeArrowheads="1"/>
+          </p:cNvSpPr>
+          <p:nvPr/>
+        </p:nvSpPr>
+        <p:spPr bwMode="auto">
+          <a:xfrm>
+            <a:off x="6984408" y="663598"/>
+            <a:ext cx="1260000" cy="540000"/>
+          </a:xfrm>
+          <a:prstGeom prst="rect">
+            <a:avLst/>
+          </a:prstGeom>
+          <a:solidFill>
+            <a:srgbClr val="FFFFFF"/>
+          </a:solidFill>
+          <a:ln w="25400">
+            <a:solidFill>
+              <a:srgbClr val="000000"/>
+            </a:solidFill>
+            <a:miter lim="800000"/>
+            <a:headEnd/>
+            <a:tailEnd/>
+          </a:ln>
+        </p:spPr>
+        <p:txBody>
+          <a:bodyPr vert="horz" wrap="square" lIns="81635" tIns="40817" rIns="81635" bIns="40817" numCol="1" anchor="ctr" anchorCtr="0" compatLnSpc="1">
+            <a:prstTxWarp prst="textNoShape">
+              <a:avLst/>
+            </a:prstTxWarp>
+          </a:bodyPr>
+          <a:lstStyle/>
+          <a:p>
+            <a:pPr algn="ctr" fontAlgn="base">
+              <a:spcBef>
+                <a:spcPct val="0"/>
+              </a:spcBef>
+              <a:spcAft>
+                <a:spcPct val="0"/>
+              </a:spcAft>
+            </a:pPr>
+            <a:r>
+              <a:rPr lang="es-GT" altLang="es-ES" sz="1300" b="1" dirty="0">
+                <a:latin typeface="Calibri" pitchFamily="34" charset="0"/>
+                <a:ea typeface="Calibri" pitchFamily="34" charset="0"/>
+                <a:cs typeface="Times New Roman" pitchFamily="18" charset="0"/>
+              </a:rPr>
+              <a:t>Secretaria</a:t>
+            </a:r>
+            <a:endParaRPr lang="es-GT" altLang="es-ES" dirty="0">
+              <a:latin typeface="Arial" pitchFamily="34" charset="0"/>
+              <a:cs typeface="Arial" pitchFamily="34" charset="0"/>
+            </a:endParaRPr>
+          </a:p>
+        </p:txBody>
+      </p:sp>
+      <p:sp>
+        <p:nvSpPr>
+          <p:cNvPr id="43" name="5 Elipse"/>
+          <p:cNvSpPr>
+            <a:spLocks noChangeArrowheads="1"/>
+          </p:cNvSpPr>
+          <p:nvPr/>
+        </p:nvSpPr>
+        <p:spPr bwMode="auto">
+          <a:xfrm>
+            <a:off x="4144773" y="2781619"/>
+            <a:ext cx="1543050" cy="1064419"/>
+          </a:xfrm>
+          <a:prstGeom prst="ellipse">
+            <a:avLst/>
+          </a:prstGeom>
+          <a:solidFill>
+            <a:srgbClr val="FFFFFF"/>
+          </a:solidFill>
+          <a:ln w="25400">
+            <a:solidFill>
+              <a:srgbClr val="000000"/>
+            </a:solidFill>
+            <a:round/>
+            <a:headEnd/>
+            <a:tailEnd/>
+          </a:ln>
+        </p:spPr>
+        <p:txBody>
+          <a:bodyPr vert="horz" wrap="square" lIns="81635" tIns="40817" rIns="81635" bIns="40817" numCol="1" anchor="ctr" anchorCtr="0" compatLnSpc="1">
+            <a:prstTxWarp prst="textNoShape">
+              <a:avLst/>
+            </a:prstTxWarp>
+          </a:bodyPr>
+          <a:lstStyle/>
+          <a:p>
+            <a:pPr algn="ctr" fontAlgn="base">
+              <a:spcBef>
+                <a:spcPct val="0"/>
+              </a:spcBef>
+              <a:spcAft>
+                <a:spcPct val="0"/>
+              </a:spcAft>
+            </a:pPr>
+            <a:r>
+              <a:rPr lang="es-GT" altLang="es-ES" sz="1100" b="1" dirty="0">
+                <a:latin typeface="Calibri" pitchFamily="34" charset="0"/>
+                <a:ea typeface="Calibri" pitchFamily="34" charset="0"/>
+                <a:cs typeface="Times New Roman" pitchFamily="18" charset="0"/>
+              </a:rPr>
+              <a:t>Gestión de Usuarios</a:t>
+            </a:r>
+            <a:endParaRPr lang="es-GT" altLang="es-ES" dirty="0">
+              <a:latin typeface="Arial" pitchFamily="34" charset="0"/>
+              <a:cs typeface="Arial" pitchFamily="34" charset="0"/>
+            </a:endParaRPr>
+          </a:p>
+        </p:txBody>
+      </p:sp>
+      <p:sp>
+        <p:nvSpPr>
+          <p:cNvPr id="44" name="5 Elipse"/>
+          <p:cNvSpPr>
+            <a:spLocks noChangeArrowheads="1"/>
+          </p:cNvSpPr>
+          <p:nvPr/>
+        </p:nvSpPr>
+        <p:spPr bwMode="auto">
+          <a:xfrm>
+            <a:off x="4034971" y="339504"/>
+            <a:ext cx="1543050" cy="1064419"/>
+          </a:xfrm>
+          <a:prstGeom prst="ellipse">
+            <a:avLst/>
+          </a:prstGeom>
+          <a:solidFill>
+            <a:srgbClr val="FFFFFF"/>
+          </a:solidFill>
+          <a:ln w="25400">
+            <a:solidFill>
+              <a:srgbClr val="000000"/>
+            </a:solidFill>
+            <a:round/>
+            <a:headEnd/>
+            <a:tailEnd/>
+          </a:ln>
+        </p:spPr>
+        <p:txBody>
+          <a:bodyPr vert="horz" wrap="square" lIns="81635" tIns="40817" rIns="81635" bIns="40817" numCol="1" anchor="ctr" anchorCtr="0" compatLnSpc="1">
+            <a:prstTxWarp prst="textNoShape">
+              <a:avLst/>
+            </a:prstTxWarp>
+          </a:bodyPr>
+          <a:lstStyle/>
+          <a:p>
+            <a:pPr algn="ctr" fontAlgn="base">
+              <a:spcBef>
+                <a:spcPct val="0"/>
+              </a:spcBef>
+              <a:spcAft>
+                <a:spcPct val="0"/>
+              </a:spcAft>
+            </a:pPr>
+            <a:r>
+              <a:rPr lang="es-GT" altLang="es-ES" sz="1100" b="1" dirty="0">
+                <a:latin typeface="Calibri" pitchFamily="34" charset="0"/>
+                <a:ea typeface="Calibri" pitchFamily="34" charset="0"/>
+                <a:cs typeface="Times New Roman" pitchFamily="18" charset="0"/>
+              </a:rPr>
+              <a:t>Gestión de inscripción</a:t>
+            </a:r>
+            <a:endParaRPr lang="es-GT" altLang="es-ES" dirty="0">
+              <a:latin typeface="Arial" pitchFamily="34" charset="0"/>
+              <a:cs typeface="Arial" pitchFamily="34" charset="0"/>
+            </a:endParaRPr>
+          </a:p>
+        </p:txBody>
+      </p:sp>
+      <p:sp>
+        <p:nvSpPr>
+          <p:cNvPr id="45" name="5 Elipse"/>
+          <p:cNvSpPr>
+            <a:spLocks noChangeArrowheads="1"/>
+          </p:cNvSpPr>
+          <p:nvPr/>
+        </p:nvSpPr>
+        <p:spPr bwMode="auto">
+          <a:xfrm>
+            <a:off x="4144773" y="1557356"/>
+            <a:ext cx="1543050" cy="1064419"/>
+          </a:xfrm>
+          <a:prstGeom prst="ellipse">
+            <a:avLst/>
+          </a:prstGeom>
+          <a:solidFill>
+            <a:srgbClr val="FFFFFF"/>
+          </a:solidFill>
+          <a:ln w="25400">
+            <a:solidFill>
+              <a:srgbClr val="000000"/>
+            </a:solidFill>
+            <a:round/>
+            <a:headEnd/>
+            <a:tailEnd/>
+          </a:ln>
+        </p:spPr>
+        <p:txBody>
+          <a:bodyPr vert="horz" wrap="square" lIns="81635" tIns="40817" rIns="81635" bIns="40817" numCol="1" anchor="ctr" anchorCtr="0" compatLnSpc="1">
+            <a:prstTxWarp prst="textNoShape">
+              <a:avLst/>
+            </a:prstTxWarp>
+          </a:bodyPr>
+          <a:lstStyle/>
+          <a:p>
+            <a:pPr algn="ctr" fontAlgn="base">
+              <a:spcBef>
+                <a:spcPct val="0"/>
+              </a:spcBef>
+              <a:spcAft>
+                <a:spcPct val="0"/>
+              </a:spcAft>
+            </a:pPr>
+            <a:r>
+              <a:rPr lang="es-GT" altLang="es-ES" sz="1100" b="1" dirty="0">
+                <a:latin typeface="Calibri" pitchFamily="34" charset="0"/>
+                <a:ea typeface="Calibri" pitchFamily="34" charset="0"/>
+                <a:cs typeface="Times New Roman" pitchFamily="18" charset="0"/>
+              </a:rPr>
+              <a:t>Gestión  control de notas</a:t>
+            </a:r>
+            <a:endParaRPr lang="es-GT" altLang="es-ES" dirty="0">
+              <a:latin typeface="Arial" pitchFamily="34" charset="0"/>
+              <a:cs typeface="Arial" pitchFamily="34" charset="0"/>
+            </a:endParaRPr>
+          </a:p>
+        </p:txBody>
+      </p:sp>
+      <p:sp>
+        <p:nvSpPr>
+          <p:cNvPr id="46" name="5 Elipse"/>
+          <p:cNvSpPr>
+            <a:spLocks noChangeArrowheads="1"/>
+          </p:cNvSpPr>
+          <p:nvPr/>
+        </p:nvSpPr>
+        <p:spPr bwMode="auto">
+          <a:xfrm>
+            <a:off x="4144773" y="4009181"/>
+            <a:ext cx="1543050" cy="1064419"/>
+          </a:xfrm>
+          <a:prstGeom prst="ellipse">
+            <a:avLst/>
+          </a:prstGeom>
+          <a:solidFill>
+            <a:srgbClr val="FFFFFF"/>
+          </a:solidFill>
+          <a:ln w="25400">
+            <a:solidFill>
+              <a:srgbClr val="000000"/>
+            </a:solidFill>
+            <a:round/>
+            <a:headEnd/>
+            <a:tailEnd/>
+          </a:ln>
+        </p:spPr>
+        <p:txBody>
+          <a:bodyPr vert="horz" wrap="square" lIns="81635" tIns="40817" rIns="81635" bIns="40817" numCol="1" anchor="ctr" anchorCtr="0" compatLnSpc="1">
+            <a:prstTxWarp prst="textNoShape">
+              <a:avLst/>
+            </a:prstTxWarp>
+          </a:bodyPr>
+          <a:lstStyle/>
+          <a:p>
+            <a:pPr algn="ctr" fontAlgn="base">
+              <a:spcBef>
+                <a:spcPct val="0"/>
+              </a:spcBef>
+              <a:spcAft>
+                <a:spcPct val="0"/>
+              </a:spcAft>
+            </a:pPr>
+            <a:r>
+              <a:rPr lang="es-GT" altLang="es-ES" sz="1100" b="1" dirty="0">
+                <a:latin typeface="Calibri" pitchFamily="34" charset="0"/>
+                <a:ea typeface="Calibri" pitchFamily="34" charset="0"/>
+                <a:cs typeface="Times New Roman" pitchFamily="18" charset="0"/>
+              </a:rPr>
+              <a:t>Gestión de grados</a:t>
+            </a:r>
+            <a:endParaRPr lang="es-GT" altLang="es-ES" dirty="0">
+              <a:latin typeface="Arial" pitchFamily="34" charset="0"/>
+              <a:cs typeface="Arial" pitchFamily="34" charset="0"/>
+            </a:endParaRPr>
+          </a:p>
+        </p:txBody>
+      </p:sp>
+      <p:sp>
+        <p:nvSpPr>
+          <p:cNvPr id="48" name="6 Rectángulo"/>
+          <p:cNvSpPr>
+            <a:spLocks noChangeArrowheads="1"/>
+          </p:cNvSpPr>
+          <p:nvPr/>
+        </p:nvSpPr>
+        <p:spPr bwMode="auto">
+          <a:xfrm>
+            <a:off x="1259632" y="3038518"/>
+            <a:ext cx="1260000" cy="540000"/>
+          </a:xfrm>
+          <a:prstGeom prst="rect">
+            <a:avLst/>
+          </a:prstGeom>
+          <a:solidFill>
+            <a:srgbClr val="FFFFFF"/>
+          </a:solidFill>
+          <a:ln w="25400">
+            <a:solidFill>
+              <a:srgbClr val="000000"/>
+            </a:solidFill>
+            <a:miter lim="800000"/>
+            <a:headEnd/>
+            <a:tailEnd/>
+          </a:ln>
+        </p:spPr>
+        <p:txBody>
+          <a:bodyPr vert="horz" wrap="square" lIns="81635" tIns="40817" rIns="81635" bIns="40817" numCol="1" anchor="ctr" anchorCtr="0" compatLnSpc="1">
+            <a:prstTxWarp prst="textNoShape">
+              <a:avLst/>
+            </a:prstTxWarp>
+          </a:bodyPr>
+          <a:lstStyle/>
+          <a:p>
+            <a:pPr algn="ctr" fontAlgn="base">
+              <a:spcBef>
+                <a:spcPct val="0"/>
+              </a:spcBef>
+              <a:spcAft>
+                <a:spcPct val="0"/>
+              </a:spcAft>
+            </a:pPr>
+            <a:r>
+              <a:rPr lang="es-GT" altLang="es-ES" sz="1300" b="1" dirty="0">
+                <a:latin typeface="Calibri" pitchFamily="34" charset="0"/>
+                <a:ea typeface="Calibri" pitchFamily="34" charset="0"/>
+                <a:cs typeface="Times New Roman" pitchFamily="18" charset="0"/>
+              </a:rPr>
+              <a:t>Administrador</a:t>
+            </a:r>
+            <a:endParaRPr lang="es-GT" altLang="es-ES" dirty="0">
+              <a:latin typeface="Arial" pitchFamily="34" charset="0"/>
+              <a:cs typeface="Arial" pitchFamily="34" charset="0"/>
+            </a:endParaRPr>
+          </a:p>
+        </p:txBody>
+      </p:sp>
+      <p:sp>
+        <p:nvSpPr>
+          <p:cNvPr id="58" name="15 Cuadro de texto"/>
+          <p:cNvSpPr txBox="1">
+            <a:spLocks noChangeArrowheads="1"/>
+          </p:cNvSpPr>
+          <p:nvPr/>
+        </p:nvSpPr>
+        <p:spPr bwMode="auto">
+          <a:xfrm rot="20408498">
+            <a:off x="5227613" y="1239958"/>
+            <a:ext cx="1600696" cy="324599"/>
+          </a:xfrm>
+          <a:prstGeom prst="rect">
+            <a:avLst/>
+          </a:prstGeom>
+          <a:noFill/>
+          <a:ln>
+            <a:noFill/>
+          </a:ln>
+          <a:extLst>
+            <a:ext uri="{909E8E84-426E-40DD-AFC4-6F175D3DCCD1}">
+              <a14:hiddenFill xmlns:a14="http://schemas.microsoft.com/office/drawing/2010/main">
+                <a:solidFill>
+                  <a:srgbClr val="FFFFFF"/>
+                </a:solidFill>
+              </a14:hiddenFill>
+            </a:ext>
+            <a:ext uri="{91240B29-F687-4F45-9708-019B960494DF}">
+              <a14:hiddenLine xmlns:a14="http://schemas.microsoft.com/office/drawing/2010/main" w="6350">
+                <a:solidFill>
+                  <a:srgbClr val="000000"/>
+                </a:solidFill>
+                <a:miter lim="800000"/>
+                <a:headEnd/>
+                <a:tailEnd/>
+              </a14:hiddenLine>
+            </a:ext>
+          </a:extLst>
+        </p:spPr>
+        <p:txBody>
+          <a:bodyPr vert="horz" wrap="square" lIns="81635" tIns="40817" rIns="81635" bIns="40817" numCol="1" anchor="t" anchorCtr="0" compatLnSpc="1">
+            <a:prstTxWarp prst="textNoShape">
+              <a:avLst/>
+            </a:prstTxWarp>
+          </a:bodyPr>
+          <a:lstStyle/>
+          <a:p>
+            <a:pPr algn="ctr" eaLnBrk="0" fontAlgn="base" hangingPunct="0">
+              <a:spcBef>
+                <a:spcPct val="0"/>
+              </a:spcBef>
+              <a:spcAft>
+                <a:spcPct val="0"/>
+              </a:spcAft>
+            </a:pPr>
+            <a:r>
+              <a:rPr lang="es-GT" altLang="es-ES" sz="900" b="1" dirty="0">
+                <a:latin typeface="Calibri" pitchFamily="34" charset="0"/>
+                <a:ea typeface="Calibri" pitchFamily="34" charset="0"/>
+                <a:cs typeface="Times New Roman" pitchFamily="18" charset="0"/>
+              </a:rPr>
+              <a:t>Verificar solvencia</a:t>
+            </a:r>
+            <a:endParaRPr lang="es-GT" altLang="es-ES" sz="1400" dirty="0">
+              <a:latin typeface="Arial" pitchFamily="34" charset="0"/>
+              <a:cs typeface="Arial" pitchFamily="34" charset="0"/>
+            </a:endParaRPr>
+          </a:p>
+        </p:txBody>
+      </p:sp>
+      <p:sp>
+        <p:nvSpPr>
+          <p:cNvPr id="61" name="15 Cuadro de texto"/>
+          <p:cNvSpPr txBox="1">
+            <a:spLocks noChangeArrowheads="1"/>
+          </p:cNvSpPr>
+          <p:nvPr/>
+        </p:nvSpPr>
+        <p:spPr bwMode="auto">
+          <a:xfrm rot="20408498">
+            <a:off x="5722245" y="1471029"/>
+            <a:ext cx="1600696" cy="324599"/>
+          </a:xfrm>
+          <a:prstGeom prst="rect">
+            <a:avLst/>
+          </a:prstGeom>
+          <a:noFill/>
+          <a:ln>
+            <a:noFill/>
+          </a:ln>
+          <a:extLst>
+            <a:ext uri="{909E8E84-426E-40DD-AFC4-6F175D3DCCD1}">
+              <a14:hiddenFill xmlns:a14="http://schemas.microsoft.com/office/drawing/2010/main">
+                <a:solidFill>
+                  <a:srgbClr val="FFFFFF"/>
+                </a:solidFill>
+              </a14:hiddenFill>
+            </a:ext>
+            <a:ext uri="{91240B29-F687-4F45-9708-019B960494DF}">
+              <a14:hiddenLine xmlns:a14="http://schemas.microsoft.com/office/drawing/2010/main" w="6350">
+                <a:solidFill>
+                  <a:srgbClr val="000000"/>
+                </a:solidFill>
+                <a:miter lim="800000"/>
+                <a:headEnd/>
+                <a:tailEnd/>
+              </a14:hiddenLine>
+            </a:ext>
+          </a:extLst>
+        </p:spPr>
+        <p:txBody>
+          <a:bodyPr vert="horz" wrap="square" lIns="81635" tIns="40817" rIns="81635" bIns="40817" numCol="1" anchor="t" anchorCtr="0" compatLnSpc="1">
+            <a:prstTxWarp prst="textNoShape">
+              <a:avLst/>
+            </a:prstTxWarp>
+          </a:bodyPr>
+          <a:lstStyle/>
+          <a:p>
+            <a:pPr algn="ctr" eaLnBrk="0" fontAlgn="base" hangingPunct="0">
+              <a:spcBef>
+                <a:spcPct val="0"/>
+              </a:spcBef>
+              <a:spcAft>
+                <a:spcPct val="0"/>
+              </a:spcAft>
+            </a:pPr>
+            <a:r>
+              <a:rPr lang="es-GT" altLang="es-ES" sz="900" b="1" dirty="0">
+                <a:latin typeface="Calibri" pitchFamily="34" charset="0"/>
+                <a:ea typeface="Calibri" pitchFamily="34" charset="0"/>
+                <a:cs typeface="Times New Roman" pitchFamily="18" charset="0"/>
+              </a:rPr>
+              <a:t>Imprime Notas</a:t>
+            </a:r>
+            <a:endParaRPr lang="es-GT" altLang="es-ES" sz="1400" dirty="0">
+              <a:latin typeface="Arial" pitchFamily="34" charset="0"/>
+              <a:cs typeface="Arial" pitchFamily="34" charset="0"/>
+            </a:endParaRPr>
+          </a:p>
+        </p:txBody>
+      </p:sp>
+      <p:cxnSp>
+        <p:nvCxnSpPr>
+          <p:cNvPr id="62" name="16 Conector recto de flecha"/>
+          <p:cNvCxnSpPr>
+            <a:stCxn id="6" idx="1"/>
+            <a:endCxn id="45" idx="6"/>
+          </p:cNvCxnSpPr>
+          <p:nvPr/>
+        </p:nvCxnSpPr>
+        <p:spPr>
+          <a:xfrm flipH="1">
+            <a:off x="5687823" y="2089565"/>
+            <a:ext cx="828393" cy="1"/>
+          </a:xfrm>
+          <a:prstGeom prst="straightConnector1">
+            <a:avLst/>
+          </a:prstGeom>
+          <a:ln>
+            <a:tailEnd type="arrow"/>
+          </a:ln>
+        </p:spPr>
+        <p:style>
+          <a:lnRef idx="2">
+            <a:schemeClr val="dk1"/>
+          </a:lnRef>
+          <a:fillRef idx="0">
+            <a:schemeClr val="dk1"/>
+          </a:fillRef>
+          <a:effectRef idx="1">
+            <a:schemeClr val="dk1"/>
+          </a:effectRef>
+          <a:fontRef idx="minor">
+            <a:schemeClr val="tx1"/>
+          </a:fontRef>
+        </p:style>
+      </p:cxnSp>
+      <p:sp>
+        <p:nvSpPr>
+          <p:cNvPr id="67" name="15 Cuadro de texto"/>
+          <p:cNvSpPr txBox="1">
+            <a:spLocks noChangeArrowheads="1"/>
+          </p:cNvSpPr>
+          <p:nvPr/>
+        </p:nvSpPr>
+        <p:spPr bwMode="auto">
+          <a:xfrm>
+            <a:off x="5696213" y="1877270"/>
+            <a:ext cx="864096" cy="324599"/>
+          </a:xfrm>
+          <a:prstGeom prst="rect">
+            <a:avLst/>
+          </a:prstGeom>
+          <a:noFill/>
+          <a:ln>
+            <a:noFill/>
+          </a:ln>
+          <a:extLst>
+            <a:ext uri="{909E8E84-426E-40DD-AFC4-6F175D3DCCD1}">
+              <a14:hiddenFill xmlns:a14="http://schemas.microsoft.com/office/drawing/2010/main">
+                <a:solidFill>
+                  <a:srgbClr val="FFFFFF"/>
+                </a:solidFill>
+              </a14:hiddenFill>
+            </a:ext>
+            <a:ext uri="{91240B29-F687-4F45-9708-019B960494DF}">
+              <a14:hiddenLine xmlns:a14="http://schemas.microsoft.com/office/drawing/2010/main" w="6350">
+                <a:solidFill>
+                  <a:srgbClr val="000000"/>
+                </a:solidFill>
+                <a:miter lim="800000"/>
+                <a:headEnd/>
+                <a:tailEnd/>
+              </a14:hiddenLine>
+            </a:ext>
+          </a:extLst>
+        </p:spPr>
+        <p:txBody>
+          <a:bodyPr vert="horz" wrap="square" lIns="81635" tIns="40817" rIns="81635" bIns="40817" numCol="1" anchor="t" anchorCtr="0" compatLnSpc="1">
+            <a:prstTxWarp prst="textNoShape">
+              <a:avLst/>
+            </a:prstTxWarp>
+          </a:bodyPr>
+          <a:lstStyle/>
+          <a:p>
+            <a:pPr algn="ctr" eaLnBrk="0" fontAlgn="base" hangingPunct="0">
+              <a:spcBef>
+                <a:spcPct val="0"/>
+              </a:spcBef>
+              <a:spcAft>
+                <a:spcPct val="0"/>
+              </a:spcAft>
+            </a:pPr>
+            <a:r>
+              <a:rPr lang="es-GT" altLang="es-ES" sz="900" b="1" dirty="0">
+                <a:latin typeface="Calibri" pitchFamily="34" charset="0"/>
+                <a:ea typeface="Calibri" pitchFamily="34" charset="0"/>
+                <a:cs typeface="Times New Roman" pitchFamily="18" charset="0"/>
+              </a:rPr>
+              <a:t>Entrega Notas</a:t>
+            </a:r>
+            <a:endParaRPr lang="es-GT" altLang="es-ES" sz="1400" dirty="0">
+              <a:latin typeface="Arial" pitchFamily="34" charset="0"/>
+              <a:cs typeface="Arial" pitchFamily="34" charset="0"/>
+            </a:endParaRPr>
+          </a:p>
+        </p:txBody>
+      </p:sp>
+      <p:cxnSp>
+        <p:nvCxnSpPr>
+          <p:cNvPr id="68" name="9 Conector recto de flecha"/>
+          <p:cNvCxnSpPr>
+            <a:stCxn id="48" idx="3"/>
+            <a:endCxn id="43" idx="2"/>
+          </p:cNvCxnSpPr>
+          <p:nvPr/>
+        </p:nvCxnSpPr>
+        <p:spPr>
+          <a:xfrm>
+            <a:off x="2519632" y="3308518"/>
+            <a:ext cx="1625141" cy="5311"/>
+          </a:xfrm>
+          <a:prstGeom prst="straightConnector1">
+            <a:avLst/>
+          </a:prstGeom>
+          <a:ln>
+            <a:tailEnd type="arrow"/>
+          </a:ln>
+        </p:spPr>
+        <p:style>
+          <a:lnRef idx="2">
+            <a:schemeClr val="dk1"/>
+          </a:lnRef>
+          <a:fillRef idx="0">
+            <a:schemeClr val="dk1"/>
+          </a:fillRef>
+          <a:effectRef idx="1">
+            <a:schemeClr val="dk1"/>
+          </a:effectRef>
+          <a:fontRef idx="minor">
+            <a:schemeClr val="tx1"/>
+          </a:fontRef>
+        </p:style>
+      </p:cxnSp>
+      <p:sp>
+        <p:nvSpPr>
+          <p:cNvPr id="71" name="13 Cuadro de texto"/>
+          <p:cNvSpPr txBox="1">
+            <a:spLocks noChangeArrowheads="1"/>
+          </p:cNvSpPr>
+          <p:nvPr/>
+        </p:nvSpPr>
+        <p:spPr bwMode="auto">
+          <a:xfrm>
+            <a:off x="2267744" y="2977389"/>
+            <a:ext cx="1930930" cy="304600"/>
+          </a:xfrm>
+          <a:prstGeom prst="rect">
+            <a:avLst/>
+          </a:prstGeom>
+          <a:noFill/>
+          <a:ln>
+            <a:noFill/>
+          </a:ln>
+          <a:extLst>
+            <a:ext uri="{909E8E84-426E-40DD-AFC4-6F175D3DCCD1}">
+              <a14:hiddenFill xmlns:a14="http://schemas.microsoft.com/office/drawing/2010/main">
+                <a:solidFill>
+                  <a:srgbClr val="FFFFFF"/>
+                </a:solidFill>
+              </a14:hiddenFill>
+            </a:ext>
+            <a:ext uri="{91240B29-F687-4F45-9708-019B960494DF}">
+              <a14:hiddenLine xmlns:a14="http://schemas.microsoft.com/office/drawing/2010/main" w="6350">
+                <a:solidFill>
+                  <a:srgbClr val="000000"/>
+                </a:solidFill>
+                <a:miter lim="800000"/>
+                <a:headEnd/>
+                <a:tailEnd/>
+              </a14:hiddenLine>
+            </a:ext>
+          </a:extLst>
+        </p:spPr>
+        <p:txBody>
+          <a:bodyPr vert="horz" wrap="square" lIns="81635" tIns="40817" rIns="81635" bIns="40817" numCol="1" anchor="t" anchorCtr="0" compatLnSpc="1">
+            <a:prstTxWarp prst="textNoShape">
+              <a:avLst/>
+            </a:prstTxWarp>
+          </a:bodyPr>
+          <a:lstStyle/>
+          <a:p>
+            <a:pPr algn="ctr" eaLnBrk="0" fontAlgn="base" hangingPunct="0">
+              <a:spcBef>
+                <a:spcPct val="0"/>
+              </a:spcBef>
+              <a:spcAft>
+                <a:spcPct val="0"/>
+              </a:spcAft>
+            </a:pPr>
+            <a:r>
+              <a:rPr lang="es-GT" altLang="es-ES" sz="900" b="1" dirty="0">
+                <a:latin typeface="Calibri" pitchFamily="34" charset="0"/>
+                <a:ea typeface="Calibri" pitchFamily="34" charset="0"/>
+                <a:cs typeface="Times New Roman" pitchFamily="18" charset="0"/>
+              </a:rPr>
+              <a:t>Elimina, modifica </a:t>
+            </a:r>
+          </a:p>
+          <a:p>
+            <a:pPr algn="ctr" eaLnBrk="0" fontAlgn="base" hangingPunct="0">
+              <a:spcBef>
+                <a:spcPct val="0"/>
+              </a:spcBef>
+              <a:spcAft>
+                <a:spcPct val="0"/>
+              </a:spcAft>
+            </a:pPr>
+            <a:r>
+              <a:rPr lang="es-GT" altLang="es-ES" sz="900" b="1" dirty="0">
+                <a:latin typeface="Calibri" pitchFamily="34" charset="0"/>
+                <a:ea typeface="Calibri" pitchFamily="34" charset="0"/>
+                <a:cs typeface="Times New Roman" pitchFamily="18" charset="0"/>
+              </a:rPr>
+              <a:t>y crea usuarios</a:t>
+            </a:r>
+            <a:endParaRPr lang="es-GT" altLang="es-ES" sz="1400" dirty="0">
+              <a:latin typeface="Arial" pitchFamily="34" charset="0"/>
+              <a:cs typeface="Arial" pitchFamily="34" charset="0"/>
+            </a:endParaRPr>
+          </a:p>
+        </p:txBody>
+      </p:sp>
+      <p:cxnSp>
+        <p:nvCxnSpPr>
+          <p:cNvPr id="75" name="74 Conector curvado"/>
+          <p:cNvCxnSpPr>
+            <a:stCxn id="30" idx="3"/>
+            <a:endCxn id="46" idx="6"/>
+          </p:cNvCxnSpPr>
+          <p:nvPr/>
+        </p:nvCxnSpPr>
+        <p:spPr>
+          <a:xfrm flipH="1">
+            <a:off x="5687823" y="933598"/>
+            <a:ext cx="2556585" cy="3607793"/>
+          </a:xfrm>
+          <a:prstGeom prst="curvedConnector3">
+            <a:avLst>
+              <a:gd name="adj1" fmla="val -8942"/>
+            </a:avLst>
+          </a:prstGeom>
+          <a:ln>
+            <a:tailEnd type="arrow"/>
+          </a:ln>
+        </p:spPr>
+        <p:style>
+          <a:lnRef idx="2">
+            <a:schemeClr val="dk1"/>
+          </a:lnRef>
+          <a:fillRef idx="0">
+            <a:schemeClr val="dk1"/>
+          </a:fillRef>
+          <a:effectRef idx="1">
+            <a:schemeClr val="dk1"/>
+          </a:effectRef>
+          <a:fontRef idx="minor">
+            <a:schemeClr val="tx1"/>
+          </a:fontRef>
+        </p:style>
+      </p:cxnSp>
+      <p:sp>
+        <p:nvSpPr>
+          <p:cNvPr id="76" name="15 Cuadro de texto"/>
+          <p:cNvSpPr txBox="1">
+            <a:spLocks noChangeArrowheads="1"/>
+          </p:cNvSpPr>
+          <p:nvPr/>
+        </p:nvSpPr>
+        <p:spPr bwMode="auto">
+          <a:xfrm rot="19363248">
+            <a:off x="6780931" y="3657906"/>
+            <a:ext cx="1600696" cy="324599"/>
+          </a:xfrm>
+          <a:prstGeom prst="rect">
+            <a:avLst/>
+          </a:prstGeom>
+          <a:noFill/>
+          <a:ln>
+            <a:noFill/>
+          </a:ln>
+          <a:extLst>
+            <a:ext uri="{909E8E84-426E-40DD-AFC4-6F175D3DCCD1}">
+              <a14:hiddenFill xmlns:a14="http://schemas.microsoft.com/office/drawing/2010/main">
+                <a:solidFill>
+                  <a:srgbClr val="FFFFFF"/>
+                </a:solidFill>
+              </a14:hiddenFill>
+            </a:ext>
+            <a:ext uri="{91240B29-F687-4F45-9708-019B960494DF}">
+              <a14:hiddenLine xmlns:a14="http://schemas.microsoft.com/office/drawing/2010/main" w="6350">
+                <a:solidFill>
+                  <a:srgbClr val="000000"/>
+                </a:solidFill>
+                <a:miter lim="800000"/>
+                <a:headEnd/>
+                <a:tailEnd/>
+              </a14:hiddenLine>
+            </a:ext>
+          </a:extLst>
+        </p:spPr>
+        <p:txBody>
+          <a:bodyPr vert="horz" wrap="square" lIns="81635" tIns="40817" rIns="81635" bIns="40817" numCol="1" anchor="t" anchorCtr="0" compatLnSpc="1">
+            <a:prstTxWarp prst="textNoShape">
+              <a:avLst/>
+            </a:prstTxWarp>
+          </a:bodyPr>
+          <a:lstStyle/>
+          <a:p>
+            <a:pPr algn="ctr" eaLnBrk="0" fontAlgn="base" hangingPunct="0">
+              <a:spcBef>
+                <a:spcPct val="0"/>
+              </a:spcBef>
+              <a:spcAft>
+                <a:spcPct val="0"/>
+              </a:spcAft>
+            </a:pPr>
+            <a:r>
+              <a:rPr lang="es-GT" altLang="es-ES" sz="900" b="1" dirty="0">
+                <a:latin typeface="Calibri" pitchFamily="34" charset="0"/>
+                <a:ea typeface="Calibri" pitchFamily="34" charset="0"/>
+                <a:cs typeface="Times New Roman" pitchFamily="18" charset="0"/>
+              </a:rPr>
+              <a:t>Crea Grados</a:t>
+            </a:r>
+            <a:endParaRPr lang="es-GT" altLang="es-ES" sz="1400" dirty="0">
+              <a:latin typeface="Arial" pitchFamily="34" charset="0"/>
+              <a:cs typeface="Arial" pitchFamily="34" charset="0"/>
+            </a:endParaRPr>
+          </a:p>
+        </p:txBody>
+      </p:sp>
+      <p:cxnSp>
+        <p:nvCxnSpPr>
+          <p:cNvPr id="78" name="77 Conector curvado"/>
+          <p:cNvCxnSpPr>
+            <a:stCxn id="44" idx="0"/>
+            <a:endCxn id="46" idx="2"/>
+          </p:cNvCxnSpPr>
+          <p:nvPr/>
+        </p:nvCxnSpPr>
+        <p:spPr>
+          <a:xfrm rot="16200000" flipH="1" flipV="1">
+            <a:off x="2374691" y="2109585"/>
+            <a:ext cx="4201887" cy="661723"/>
+          </a:xfrm>
+          <a:prstGeom prst="curvedConnector4">
+            <a:avLst>
+              <a:gd name="adj1" fmla="val -5095"/>
+              <a:gd name="adj2" fmla="val 681945"/>
+            </a:avLst>
+          </a:prstGeom>
+          <a:ln>
+            <a:tailEnd type="arrow"/>
+          </a:ln>
+        </p:spPr>
+        <p:style>
+          <a:lnRef idx="2">
+            <a:schemeClr val="dk1"/>
+          </a:lnRef>
+          <a:fillRef idx="0">
+            <a:schemeClr val="dk1"/>
+          </a:fillRef>
+          <a:effectRef idx="1">
+            <a:schemeClr val="dk1"/>
+          </a:effectRef>
+          <a:fontRef idx="minor">
+            <a:schemeClr val="tx1"/>
+          </a:fontRef>
+        </p:style>
+      </p:cxnSp>
+      <p:sp>
+        <p:nvSpPr>
+          <p:cNvPr id="83" name="14 Cuadro de texto"/>
+          <p:cNvSpPr txBox="1">
+            <a:spLocks noChangeArrowheads="1"/>
+          </p:cNvSpPr>
+          <p:nvPr/>
+        </p:nvSpPr>
+        <p:spPr bwMode="auto">
+          <a:xfrm rot="1477500">
+            <a:off x="1471307" y="3954629"/>
+            <a:ext cx="1880908" cy="346472"/>
+          </a:xfrm>
+          <a:prstGeom prst="rect">
+            <a:avLst/>
+          </a:prstGeom>
+          <a:noFill/>
+          <a:ln>
+            <a:noFill/>
+          </a:ln>
+          <a:extLst>
+            <a:ext uri="{909E8E84-426E-40DD-AFC4-6F175D3DCCD1}">
+              <a14:hiddenFill xmlns:a14="http://schemas.microsoft.com/office/drawing/2010/main">
+                <a:solidFill>
+                  <a:srgbClr val="FFFFFF"/>
+                </a:solidFill>
+              </a14:hiddenFill>
+            </a:ext>
+            <a:ext uri="{91240B29-F687-4F45-9708-019B960494DF}">
+              <a14:hiddenLine xmlns:a14="http://schemas.microsoft.com/office/drawing/2010/main" w="6350">
+                <a:solidFill>
+                  <a:srgbClr val="000000"/>
+                </a:solidFill>
+                <a:miter lim="800000"/>
+                <a:headEnd/>
+                <a:tailEnd/>
+              </a14:hiddenLine>
+            </a:ext>
+          </a:extLst>
+        </p:spPr>
+        <p:txBody>
+          <a:bodyPr vert="horz" wrap="square" lIns="81635" tIns="40817" rIns="81635" bIns="40817" numCol="1" anchor="t" anchorCtr="0" compatLnSpc="1">
+            <a:prstTxWarp prst="textNoShape">
+              <a:avLst/>
+            </a:prstTxWarp>
+          </a:bodyPr>
+          <a:lstStyle/>
+          <a:p>
+            <a:pPr algn="ctr" eaLnBrk="0" fontAlgn="base" hangingPunct="0">
+              <a:spcBef>
+                <a:spcPct val="0"/>
+              </a:spcBef>
+              <a:spcAft>
+                <a:spcPct val="0"/>
+              </a:spcAft>
+            </a:pPr>
+            <a:r>
+              <a:rPr lang="es-GT" altLang="es-ES" sz="900" b="1" dirty="0">
+                <a:latin typeface="Calibri" pitchFamily="34" charset="0"/>
+                <a:ea typeface="Calibri" pitchFamily="34" charset="0"/>
+                <a:cs typeface="Times New Roman" pitchFamily="18" charset="0"/>
+              </a:rPr>
+              <a:t>Obtiene datos</a:t>
+            </a:r>
+            <a:endParaRPr lang="es-GT" altLang="es-ES" sz="1400" dirty="0">
+              <a:latin typeface="Arial" pitchFamily="34" charset="0"/>
+              <a:cs typeface="Arial" pitchFamily="34" charset="0"/>
+            </a:endParaRPr>
+          </a:p>
+        </p:txBody>
+      </p:sp>
+      <p:cxnSp>
+        <p:nvCxnSpPr>
+          <p:cNvPr id="96" name="95 Conector curvado"/>
+          <p:cNvCxnSpPr>
+            <a:stCxn id="43" idx="6"/>
+          </p:cNvCxnSpPr>
+          <p:nvPr/>
+        </p:nvCxnSpPr>
+        <p:spPr>
+          <a:xfrm flipV="1">
+            <a:off x="5687823" y="1141713"/>
+            <a:ext cx="2484577" cy="2172116"/>
+          </a:xfrm>
+          <a:prstGeom prst="curvedConnector3">
+            <a:avLst>
+              <a:gd name="adj1" fmla="val 90637"/>
+            </a:avLst>
+          </a:prstGeom>
+          <a:ln>
+            <a:tailEnd type="arrow"/>
+          </a:ln>
+        </p:spPr>
+        <p:style>
+          <a:lnRef idx="2">
+            <a:schemeClr val="dk1"/>
+          </a:lnRef>
+          <a:fillRef idx="0">
+            <a:schemeClr val="dk1"/>
+          </a:fillRef>
+          <a:effectRef idx="1">
+            <a:schemeClr val="dk1"/>
+          </a:effectRef>
+          <a:fontRef idx="minor">
+            <a:schemeClr val="tx1"/>
+          </a:fontRef>
+        </p:style>
+      </p:cxnSp>
+      <p:sp>
+        <p:nvSpPr>
+          <p:cNvPr id="107" name="15 Cuadro de texto"/>
+          <p:cNvSpPr txBox="1">
+            <a:spLocks noChangeArrowheads="1"/>
+          </p:cNvSpPr>
+          <p:nvPr/>
+        </p:nvSpPr>
+        <p:spPr bwMode="auto">
+          <a:xfrm rot="20132112">
+            <a:off x="6086814" y="2878789"/>
+            <a:ext cx="1600696" cy="324599"/>
+          </a:xfrm>
+          <a:prstGeom prst="rect">
+            <a:avLst/>
+          </a:prstGeom>
+          <a:noFill/>
+          <a:ln>
+            <a:noFill/>
+          </a:ln>
+          <a:extLst>
+            <a:ext uri="{909E8E84-426E-40DD-AFC4-6F175D3DCCD1}">
+              <a14:hiddenFill xmlns:a14="http://schemas.microsoft.com/office/drawing/2010/main">
+                <a:solidFill>
+                  <a:srgbClr val="FFFFFF"/>
+                </a:solidFill>
+              </a14:hiddenFill>
+            </a:ext>
+            <a:ext uri="{91240B29-F687-4F45-9708-019B960494DF}">
+              <a14:hiddenLine xmlns:a14="http://schemas.microsoft.com/office/drawing/2010/main" w="6350">
+                <a:solidFill>
+                  <a:srgbClr val="000000"/>
+                </a:solidFill>
+                <a:miter lim="800000"/>
+                <a:headEnd/>
+                <a:tailEnd/>
+              </a14:hiddenLine>
+            </a:ext>
+          </a:extLst>
+        </p:spPr>
+        <p:txBody>
+          <a:bodyPr vert="horz" wrap="square" lIns="81635" tIns="40817" rIns="81635" bIns="40817" numCol="1" anchor="t" anchorCtr="0" compatLnSpc="1">
+            <a:prstTxWarp prst="textNoShape">
+              <a:avLst/>
+            </a:prstTxWarp>
+          </a:bodyPr>
+          <a:lstStyle/>
+          <a:p>
+            <a:pPr algn="ctr" eaLnBrk="0" fontAlgn="base" hangingPunct="0">
+              <a:spcBef>
+                <a:spcPct val="0"/>
+              </a:spcBef>
+              <a:spcAft>
+                <a:spcPct val="0"/>
+              </a:spcAft>
+            </a:pPr>
+            <a:r>
+              <a:rPr lang="es-GT" altLang="es-ES" sz="900" b="1" dirty="0">
+                <a:latin typeface="Calibri" pitchFamily="34" charset="0"/>
+                <a:ea typeface="Calibri" pitchFamily="34" charset="0"/>
+                <a:cs typeface="Times New Roman" pitchFamily="18" charset="0"/>
+              </a:rPr>
+              <a:t>Da acceso</a:t>
+            </a:r>
+            <a:endParaRPr lang="es-GT" altLang="es-ES" sz="1400" dirty="0">
+              <a:latin typeface="Arial" pitchFamily="34" charset="0"/>
+              <a:cs typeface="Arial" pitchFamily="34" charset="0"/>
+            </a:endParaRPr>
+          </a:p>
+        </p:txBody>
+      </p:sp>
+    </p:spTree>
+    <p:extLst>
+      <p:ext uri="{BB962C8B-B14F-4D97-AF65-F5344CB8AC3E}">
+        <p14:creationId xmlns:p14="http://schemas.microsoft.com/office/powerpoint/2010/main" val="2207559694"/>
+      </p:ext>
+    </p:extLst>
+  </p:cSld>
+  <p:clrMapOvr>
+    <a:masterClrMapping/>
+  </p:clrMapOvr>
 </p:sld>
 </file>
 
